--- a/ppt/6.树和二叉树.pptx
+++ b/ppt/6.树和二叉树.pptx
@@ -5,19 +5,25 @@
     <p:sldMasterId id="2147483648" r:id="rId1"/>
   </p:sldMasterIdLst>
   <p:notesMasterIdLst>
-    <p:notesMasterId r:id="rId12"/>
+    <p:notesMasterId r:id="rId18"/>
   </p:notesMasterIdLst>
   <p:sldIdLst>
     <p:sldId id="258" r:id="rId2"/>
     <p:sldId id="266" r:id="rId3"/>
     <p:sldId id="259" r:id="rId4"/>
-    <p:sldId id="280" r:id="rId5"/>
-    <p:sldId id="285" r:id="rId6"/>
-    <p:sldId id="286" r:id="rId7"/>
-    <p:sldId id="283" r:id="rId8"/>
-    <p:sldId id="279" r:id="rId9"/>
-    <p:sldId id="288" r:id="rId10"/>
-    <p:sldId id="265" r:id="rId11"/>
+    <p:sldId id="289" r:id="rId5"/>
+    <p:sldId id="290" r:id="rId6"/>
+    <p:sldId id="291" r:id="rId7"/>
+    <p:sldId id="292" r:id="rId8"/>
+    <p:sldId id="293" r:id="rId9"/>
+    <p:sldId id="294" r:id="rId10"/>
+    <p:sldId id="280" r:id="rId11"/>
+    <p:sldId id="285" r:id="rId12"/>
+    <p:sldId id="286" r:id="rId13"/>
+    <p:sldId id="283" r:id="rId14"/>
+    <p:sldId id="279" r:id="rId15"/>
+    <p:sldId id="288" r:id="rId16"/>
+    <p:sldId id="265" r:id="rId17"/>
   </p:sldIdLst>
   <p:sldSz cx="12192000" cy="6858000"/>
   <p:notesSz cx="6858000" cy="9144000"/>
@@ -128,6 +134,12 @@
           <p14:sldIdLst>
             <p14:sldId id="266"/>
             <p14:sldId id="259"/>
+            <p14:sldId id="289"/>
+            <p14:sldId id="290"/>
+            <p14:sldId id="291"/>
+            <p14:sldId id="292"/>
+            <p14:sldId id="293"/>
+            <p14:sldId id="294"/>
             <p14:sldId id="280"/>
             <p14:sldId id="285"/>
             <p14:sldId id="286"/>
@@ -228,7 +240,7 @@
           <a:p>
             <a:fld id="{66C3546E-20F6-7649-A9A4-4E4A245D3E82}" type="datetimeFigureOut">
               <a:rPr kumimoji="1" lang="zh-CN" altLang="en-US" smtClean="0"/>
-              <a:t>2019/12/6</a:t>
+              <a:t>2020/3/6</a:t>
             </a:fld>
             <a:endParaRPr kumimoji="1" lang="zh-CN" altLang="en-US"/>
           </a:p>
@@ -584,7 +596,7 @@
           <a:p>
             <a:fld id="{0F8E57A1-C481-6944-857F-EAC8E932B5ED}" type="slidenum">
               <a:rPr kumimoji="1" lang="zh-CN" altLang="en-US" smtClean="0"/>
-              <a:t>8</a:t>
+              <a:t>14</a:t>
             </a:fld>
             <a:endParaRPr kumimoji="1" lang="zh-CN" altLang="en-US"/>
           </a:p>
@@ -668,7 +680,7 @@
           <a:p>
             <a:fld id="{0F8E57A1-C481-6944-857F-EAC8E932B5ED}" type="slidenum">
               <a:rPr kumimoji="1" lang="zh-CN" altLang="en-US" smtClean="0"/>
-              <a:t>9</a:t>
+              <a:t>15</a:t>
             </a:fld>
             <a:endParaRPr kumimoji="1" lang="zh-CN" altLang="en-US"/>
           </a:p>
@@ -752,7 +764,7 @@
           <a:p>
             <a:fld id="{0F8E57A1-C481-6944-857F-EAC8E932B5ED}" type="slidenum">
               <a:rPr kumimoji="1" lang="zh-CN" altLang="en-US" smtClean="0"/>
-              <a:t>10</a:t>
+              <a:t>16</a:t>
             </a:fld>
             <a:endParaRPr kumimoji="1" lang="zh-CN" altLang="en-US"/>
           </a:p>
@@ -918,7 +930,7 @@
           <a:p>
             <a:fld id="{1C49BB65-7B3F-4D4E-A397-BBFD82890A5A}" type="datetimeFigureOut">
               <a:rPr kumimoji="1" lang="zh-CN" altLang="en-US" smtClean="0"/>
-              <a:t>2019/12/6</a:t>
+              <a:t>2020/3/6</a:t>
             </a:fld>
             <a:endParaRPr kumimoji="1" lang="zh-CN" altLang="en-US"/>
           </a:p>
@@ -1116,7 +1128,7 @@
           <a:p>
             <a:fld id="{1C49BB65-7B3F-4D4E-A397-BBFD82890A5A}" type="datetimeFigureOut">
               <a:rPr kumimoji="1" lang="zh-CN" altLang="en-US" smtClean="0"/>
-              <a:t>2019/12/6</a:t>
+              <a:t>2020/3/6</a:t>
             </a:fld>
             <a:endParaRPr kumimoji="1" lang="zh-CN" altLang="en-US"/>
           </a:p>
@@ -1324,7 +1336,7 @@
           <a:p>
             <a:fld id="{1C49BB65-7B3F-4D4E-A397-BBFD82890A5A}" type="datetimeFigureOut">
               <a:rPr kumimoji="1" lang="zh-CN" altLang="en-US" smtClean="0"/>
-              <a:t>2019/12/6</a:t>
+              <a:t>2020/3/6</a:t>
             </a:fld>
             <a:endParaRPr kumimoji="1" lang="zh-CN" altLang="en-US"/>
           </a:p>
@@ -1522,7 +1534,7 @@
           <a:p>
             <a:fld id="{1C49BB65-7B3F-4D4E-A397-BBFD82890A5A}" type="datetimeFigureOut">
               <a:rPr kumimoji="1" lang="zh-CN" altLang="en-US" smtClean="0"/>
-              <a:t>2019/12/6</a:t>
+              <a:t>2020/3/6</a:t>
             </a:fld>
             <a:endParaRPr kumimoji="1" lang="zh-CN" altLang="en-US"/>
           </a:p>
@@ -1797,7 +1809,7 @@
           <a:p>
             <a:fld id="{1C49BB65-7B3F-4D4E-A397-BBFD82890A5A}" type="datetimeFigureOut">
               <a:rPr kumimoji="1" lang="zh-CN" altLang="en-US" smtClean="0"/>
-              <a:t>2019/12/6</a:t>
+              <a:t>2020/3/6</a:t>
             </a:fld>
             <a:endParaRPr kumimoji="1" lang="zh-CN" altLang="en-US"/>
           </a:p>
@@ -2062,7 +2074,7 @@
           <a:p>
             <a:fld id="{1C49BB65-7B3F-4D4E-A397-BBFD82890A5A}" type="datetimeFigureOut">
               <a:rPr kumimoji="1" lang="zh-CN" altLang="en-US" smtClean="0"/>
-              <a:t>2019/12/6</a:t>
+              <a:t>2020/3/6</a:t>
             </a:fld>
             <a:endParaRPr kumimoji="1" lang="zh-CN" altLang="en-US"/>
           </a:p>
@@ -2474,7 +2486,7 @@
           <a:p>
             <a:fld id="{1C49BB65-7B3F-4D4E-A397-BBFD82890A5A}" type="datetimeFigureOut">
               <a:rPr kumimoji="1" lang="zh-CN" altLang="en-US" smtClean="0"/>
-              <a:t>2019/12/6</a:t>
+              <a:t>2020/3/6</a:t>
             </a:fld>
             <a:endParaRPr kumimoji="1" lang="zh-CN" altLang="en-US"/>
           </a:p>
@@ -2615,7 +2627,7 @@
           <a:p>
             <a:fld id="{1C49BB65-7B3F-4D4E-A397-BBFD82890A5A}" type="datetimeFigureOut">
               <a:rPr kumimoji="1" lang="zh-CN" altLang="en-US" smtClean="0"/>
-              <a:t>2019/12/6</a:t>
+              <a:t>2020/3/6</a:t>
             </a:fld>
             <a:endParaRPr kumimoji="1" lang="zh-CN" altLang="en-US"/>
           </a:p>
@@ -2985,7 +2997,7 @@
           <a:p>
             <a:fld id="{1C49BB65-7B3F-4D4E-A397-BBFD82890A5A}" type="datetimeFigureOut">
               <a:rPr kumimoji="1" lang="zh-CN" altLang="en-US" smtClean="0"/>
-              <a:t>2019/12/6</a:t>
+              <a:t>2020/3/6</a:t>
             </a:fld>
             <a:endParaRPr kumimoji="1" lang="zh-CN" altLang="en-US"/>
           </a:p>
@@ -3273,7 +3285,7 @@
           <a:p>
             <a:fld id="{1C49BB65-7B3F-4D4E-A397-BBFD82890A5A}" type="datetimeFigureOut">
               <a:rPr kumimoji="1" lang="zh-CN" altLang="en-US" smtClean="0"/>
-              <a:t>2019/12/6</a:t>
+              <a:t>2020/3/6</a:t>
             </a:fld>
             <a:endParaRPr kumimoji="1" lang="zh-CN" altLang="en-US"/>
           </a:p>
@@ -3514,7 +3526,7 @@
           <a:p>
             <a:fld id="{1C49BB65-7B3F-4D4E-A397-BBFD82890A5A}" type="datetimeFigureOut">
               <a:rPr kumimoji="1" lang="zh-CN" altLang="en-US" smtClean="0"/>
-              <a:t>2019/12/6</a:t>
+              <a:t>2020/3/6</a:t>
             </a:fld>
             <a:endParaRPr kumimoji="1" lang="zh-CN" altLang="en-US"/>
           </a:p>
@@ -4074,11 +4086,68 @@
                 <a:latin typeface="Microsoft YaHei" panose="020B0503020204020204" pitchFamily="34" charset="-122"/>
                 <a:ea typeface="Microsoft YaHei" panose="020B0503020204020204" pitchFamily="34" charset="-122"/>
               </a:rPr>
-              <a:t>第四节课 树和二叉树</a:t>
-            </a:r>
-          </a:p>
-        </p:txBody>
-      </p:sp>
+              <a:t>第</a:t>
+            </a:r>
+            <a:r>
+              <a:rPr kumimoji="1" lang="en-US" altLang="zh-CN" sz="4000" dirty="0">
+                <a:latin typeface="Microsoft YaHei" panose="020B0503020204020204" pitchFamily="34" charset="-122"/>
+                <a:ea typeface="Microsoft YaHei" panose="020B0503020204020204" pitchFamily="34" charset="-122"/>
+              </a:rPr>
+              <a:t>8</a:t>
+            </a:r>
+            <a:r>
+              <a:rPr kumimoji="1" lang="zh-CN" altLang="en-US" sz="4000" dirty="0">
+                <a:latin typeface="Microsoft YaHei" panose="020B0503020204020204" pitchFamily="34" charset="-122"/>
+                <a:ea typeface="Microsoft YaHei" panose="020B0503020204020204" pitchFamily="34" charset="-122"/>
+              </a:rPr>
+              <a:t>节课 树和二叉树</a:t>
+            </a:r>
+          </a:p>
+        </p:txBody>
+      </p:sp>
+      <p:pic>
+        <p:nvPicPr>
+          <p:cNvPr id="5" name="图片 2">
+            <a:extLst>
+              <a:ext uri="{FF2B5EF4-FFF2-40B4-BE49-F238E27FC236}">
+                <a16:creationId xmlns:a16="http://schemas.microsoft.com/office/drawing/2014/main" id="{C4D11263-438B-FC45-915A-7FA88EA8B217}"/>
+              </a:ext>
+            </a:extLst>
+          </p:cNvPr>
+          <p:cNvPicPr>
+            <a:picLocks noChangeAspect="1" noChangeArrowheads="1"/>
+          </p:cNvPicPr>
+          <p:nvPr/>
+        </p:nvPicPr>
+        <p:blipFill>
+          <a:blip r:embed="rId3" cstate="print">
+            <a:extLst>
+              <a:ext uri="{28A0092B-C50C-407E-A947-70E740481C1C}">
+                <a14:useLocalDpi xmlns:a14="http://schemas.microsoft.com/office/drawing/2010/main" val="0"/>
+              </a:ext>
+            </a:extLst>
+          </a:blip>
+          <a:srcRect l="2818" t="9651" r="2068" b="9219"/>
+          <a:stretch>
+            <a:fillRect/>
+          </a:stretch>
+        </p:blipFill>
+        <p:spPr bwMode="auto">
+          <a:xfrm>
+            <a:off x="9186863" y="0"/>
+            <a:ext cx="3005137" cy="782637"/>
+          </a:xfrm>
+          <a:prstGeom prst="rect">
+            <a:avLst/>
+          </a:prstGeom>
+          <a:solidFill>
+            <a:schemeClr val="accent1"/>
+          </a:solidFill>
+          <a:ln>
+            <a:noFill/>
+          </a:ln>
+        </p:spPr>
+      </p:pic>
     </p:spTree>
     <p:extLst>
       <p:ext uri="{BB962C8B-B14F-4D97-AF65-F5344CB8AC3E}">
@@ -4093,6 +4162,744 @@
 </file>
 
 <file path=ppt/slides/slide10.xml><?xml version="1.0" encoding="utf-8"?>
+<p:sld xmlns:a="http://schemas.openxmlformats.org/drawingml/2006/main" xmlns:r="http://schemas.openxmlformats.org/officeDocument/2006/relationships" xmlns:p="http://schemas.openxmlformats.org/presentationml/2006/main">
+  <p:cSld>
+    <p:bg>
+      <p:bgPr>
+        <a:blipFill>
+          <a:blip r:embed="rId2"/>
+          <a:tile tx="0" ty="0" sx="100000" sy="100000" flip="none" algn="tl"/>
+        </a:blipFill>
+        <a:effectLst/>
+      </p:bgPr>
+    </p:bg>
+    <p:spTree>
+      <p:nvGrpSpPr>
+        <p:cNvPr id="1" name=""/>
+        <p:cNvGrpSpPr/>
+        <p:nvPr/>
+      </p:nvGrpSpPr>
+      <p:grpSpPr>
+        <a:xfrm>
+          <a:off x="0" y="0"/>
+          <a:ext cx="0" cy="0"/>
+          <a:chOff x="0" y="0"/>
+          <a:chExt cx="0" cy="0"/>
+        </a:xfrm>
+      </p:grpSpPr>
+      <p:sp>
+        <p:nvSpPr>
+          <p:cNvPr id="3" name="文本框 2">
+            <a:extLst>
+              <a:ext uri="{FF2B5EF4-FFF2-40B4-BE49-F238E27FC236}">
+                <a16:creationId xmlns:a16="http://schemas.microsoft.com/office/drawing/2014/main" id="{62BFC649-BF8E-2841-8EAF-47AFBF9D6671}"/>
+              </a:ext>
+            </a:extLst>
+          </p:cNvPr>
+          <p:cNvSpPr txBox="1"/>
+          <p:nvPr/>
+        </p:nvSpPr>
+        <p:spPr>
+          <a:xfrm>
+            <a:off x="2054352" y="630545"/>
+            <a:ext cx="8083296" cy="830997"/>
+          </a:xfrm>
+          <a:prstGeom prst="rect">
+            <a:avLst/>
+          </a:prstGeom>
+          <a:noFill/>
+        </p:spPr>
+        <p:txBody>
+          <a:bodyPr wrap="square" rtlCol="0">
+            <a:spAutoFit/>
+          </a:bodyPr>
+          <a:lstStyle/>
+          <a:p>
+            <a:pPr algn="ctr"/>
+            <a:r>
+              <a:rPr kumimoji="1" lang="en-US" altLang="zh-CN" sz="4800" dirty="0">
+                <a:latin typeface="Microsoft YaHei" panose="020B0503020204020204" pitchFamily="34" charset="-122"/>
+                <a:ea typeface="Microsoft YaHei" panose="020B0503020204020204" pitchFamily="34" charset="-122"/>
+              </a:rPr>
+              <a:t>2.</a:t>
+            </a:r>
+            <a:r>
+              <a:rPr kumimoji="1" lang="zh-CN" altLang="en-US" sz="4800" dirty="0">
+                <a:latin typeface="Microsoft YaHei" panose="020B0503020204020204" pitchFamily="34" charset="-122"/>
+                <a:ea typeface="Microsoft YaHei" panose="020B0503020204020204" pitchFamily="34" charset="-122"/>
+              </a:rPr>
+              <a:t>树的抽象数据类型</a:t>
+            </a:r>
+          </a:p>
+        </p:txBody>
+      </p:sp>
+      <p:pic>
+        <p:nvPicPr>
+          <p:cNvPr id="4" name="图片 3">
+            <a:extLst>
+              <a:ext uri="{FF2B5EF4-FFF2-40B4-BE49-F238E27FC236}">
+                <a16:creationId xmlns:a16="http://schemas.microsoft.com/office/drawing/2014/main" id="{083FC24B-95BC-704B-9595-5BD356FCBBF4}"/>
+              </a:ext>
+            </a:extLst>
+          </p:cNvPr>
+          <p:cNvPicPr>
+            <a:picLocks noChangeAspect="1"/>
+          </p:cNvPicPr>
+          <p:nvPr/>
+        </p:nvPicPr>
+        <p:blipFill>
+          <a:blip r:embed="rId3"/>
+          <a:stretch>
+            <a:fillRect/>
+          </a:stretch>
+        </p:blipFill>
+        <p:spPr>
+          <a:xfrm>
+            <a:off x="2920134" y="1540004"/>
+            <a:ext cx="6351732" cy="5317996"/>
+          </a:xfrm>
+          <a:prstGeom prst="rect">
+            <a:avLst/>
+          </a:prstGeom>
+        </p:spPr>
+      </p:pic>
+    </p:spTree>
+    <p:extLst>
+      <p:ext uri="{BB962C8B-B14F-4D97-AF65-F5344CB8AC3E}">
+        <p14:creationId xmlns:p14="http://schemas.microsoft.com/office/powerpoint/2010/main" val="1022283620"/>
+      </p:ext>
+    </p:extLst>
+  </p:cSld>
+  <p:clrMapOvr>
+    <a:masterClrMapping/>
+  </p:clrMapOvr>
+</p:sld>
+</file>
+
+<file path=ppt/slides/slide11.xml><?xml version="1.0" encoding="utf-8"?>
+<p:sld xmlns:a="http://schemas.openxmlformats.org/drawingml/2006/main" xmlns:r="http://schemas.openxmlformats.org/officeDocument/2006/relationships" xmlns:p="http://schemas.openxmlformats.org/presentationml/2006/main">
+  <p:cSld>
+    <p:bg>
+      <p:bgPr>
+        <a:blipFill>
+          <a:blip r:embed="rId2"/>
+          <a:tile tx="0" ty="0" sx="100000" sy="100000" flip="none" algn="tl"/>
+        </a:blipFill>
+        <a:effectLst/>
+      </p:bgPr>
+    </p:bg>
+    <p:spTree>
+      <p:nvGrpSpPr>
+        <p:cNvPr id="1" name=""/>
+        <p:cNvGrpSpPr/>
+        <p:nvPr/>
+      </p:nvGrpSpPr>
+      <p:grpSpPr>
+        <a:xfrm>
+          <a:off x="0" y="0"/>
+          <a:ext cx="0" cy="0"/>
+          <a:chOff x="0" y="0"/>
+          <a:chExt cx="0" cy="0"/>
+        </a:xfrm>
+      </p:grpSpPr>
+      <p:sp>
+        <p:nvSpPr>
+          <p:cNvPr id="3" name="文本框 2">
+            <a:extLst>
+              <a:ext uri="{FF2B5EF4-FFF2-40B4-BE49-F238E27FC236}">
+                <a16:creationId xmlns:a16="http://schemas.microsoft.com/office/drawing/2014/main" id="{62BFC649-BF8E-2841-8EAF-47AFBF9D6671}"/>
+              </a:ext>
+            </a:extLst>
+          </p:cNvPr>
+          <p:cNvSpPr txBox="1"/>
+          <p:nvPr/>
+        </p:nvSpPr>
+        <p:spPr>
+          <a:xfrm>
+            <a:off x="2054352" y="630545"/>
+            <a:ext cx="8083296" cy="830997"/>
+          </a:xfrm>
+          <a:prstGeom prst="rect">
+            <a:avLst/>
+          </a:prstGeom>
+          <a:noFill/>
+        </p:spPr>
+        <p:txBody>
+          <a:bodyPr wrap="square" rtlCol="0">
+            <a:spAutoFit/>
+          </a:bodyPr>
+          <a:lstStyle/>
+          <a:p>
+            <a:pPr algn="ctr"/>
+            <a:r>
+              <a:rPr kumimoji="1" lang="en-US" altLang="zh-CN" sz="4800" dirty="0">
+                <a:latin typeface="Microsoft YaHei" panose="020B0503020204020204" pitchFamily="34" charset="-122"/>
+                <a:ea typeface="Microsoft YaHei" panose="020B0503020204020204" pitchFamily="34" charset="-122"/>
+              </a:rPr>
+              <a:t>3.</a:t>
+            </a:r>
+            <a:r>
+              <a:rPr kumimoji="1" lang="zh-CN" altLang="en-US" sz="4800" dirty="0">
+                <a:latin typeface="Microsoft YaHei" panose="020B0503020204020204" pitchFamily="34" charset="-122"/>
+                <a:ea typeface="Microsoft YaHei" panose="020B0503020204020204" pitchFamily="34" charset="-122"/>
+              </a:rPr>
+              <a:t>队列的顺序存储和链式存储。</a:t>
+            </a:r>
+          </a:p>
+        </p:txBody>
+      </p:sp>
+      <p:sp>
+        <p:nvSpPr>
+          <p:cNvPr id="8" name="文本框 7">
+            <a:extLst>
+              <a:ext uri="{FF2B5EF4-FFF2-40B4-BE49-F238E27FC236}">
+                <a16:creationId xmlns:a16="http://schemas.microsoft.com/office/drawing/2014/main" id="{75D7D6ED-43A8-DC4B-84B6-AB03F6270117}"/>
+              </a:ext>
+            </a:extLst>
+          </p:cNvPr>
+          <p:cNvSpPr txBox="1"/>
+          <p:nvPr/>
+        </p:nvSpPr>
+        <p:spPr>
+          <a:xfrm>
+            <a:off x="1610041" y="2576591"/>
+            <a:ext cx="9873121" cy="954107"/>
+          </a:xfrm>
+          <a:prstGeom prst="rect">
+            <a:avLst/>
+          </a:prstGeom>
+          <a:noFill/>
+        </p:spPr>
+        <p:txBody>
+          <a:bodyPr wrap="square" rtlCol="0">
+            <a:spAutoFit/>
+          </a:bodyPr>
+          <a:lstStyle/>
+          <a:p>
+            <a:r>
+              <a:rPr kumimoji="1" lang="zh-CN" altLang="en-US" sz="2800" dirty="0">
+                <a:latin typeface="微软雅黑" panose="020B0503020204020204" pitchFamily="34" charset="-122"/>
+                <a:ea typeface="Microsoft YaHei" panose="020B0503020204020204" pitchFamily="34" charset="-122"/>
+              </a:rPr>
+              <a:t>每个数据单元不止有数据，还包含指向下一个数据地址的信息，由此数据单元串联起来的方式叫链式存储</a:t>
+            </a:r>
+          </a:p>
+        </p:txBody>
+      </p:sp>
+      <p:sp>
+        <p:nvSpPr>
+          <p:cNvPr id="9" name="文本框 8">
+            <a:extLst>
+              <a:ext uri="{FF2B5EF4-FFF2-40B4-BE49-F238E27FC236}">
+                <a16:creationId xmlns:a16="http://schemas.microsoft.com/office/drawing/2014/main" id="{ED9B93DC-5880-9D4B-AD03-2A9ADCF8E4D4}"/>
+              </a:ext>
+            </a:extLst>
+          </p:cNvPr>
+          <p:cNvSpPr txBox="1"/>
+          <p:nvPr/>
+        </p:nvSpPr>
+        <p:spPr>
+          <a:xfrm>
+            <a:off x="540000" y="1800000"/>
+            <a:ext cx="1070042" cy="542675"/>
+          </a:xfrm>
+          <a:prstGeom prst="rect">
+            <a:avLst/>
+          </a:prstGeom>
+          <a:solidFill>
+            <a:schemeClr val="accent2"/>
+          </a:solidFill>
+        </p:spPr>
+        <p:txBody>
+          <a:bodyPr wrap="square" rtlCol="0">
+            <a:spAutoFit/>
+          </a:bodyPr>
+          <a:lstStyle/>
+          <a:p>
+            <a:r>
+              <a:rPr kumimoji="1" lang="zh-CN" altLang="en-US" sz="2800" dirty="0">
+                <a:solidFill>
+                  <a:schemeClr val="bg1"/>
+                </a:solidFill>
+                <a:latin typeface="Microsoft YaHei" panose="020B0503020204020204" pitchFamily="34" charset="-122"/>
+                <a:ea typeface="Microsoft YaHei" panose="020B0503020204020204" pitchFamily="34" charset="-122"/>
+              </a:rPr>
+              <a:t>定义</a:t>
+            </a:r>
+          </a:p>
+        </p:txBody>
+      </p:sp>
+      <p:sp>
+        <p:nvSpPr>
+          <p:cNvPr id="10" name="文本框 9">
+            <a:extLst>
+              <a:ext uri="{FF2B5EF4-FFF2-40B4-BE49-F238E27FC236}">
+                <a16:creationId xmlns:a16="http://schemas.microsoft.com/office/drawing/2014/main" id="{5732DAF2-E38B-774A-9902-B765D16F0ED3}"/>
+              </a:ext>
+            </a:extLst>
+          </p:cNvPr>
+          <p:cNvSpPr txBox="1"/>
+          <p:nvPr/>
+        </p:nvSpPr>
+        <p:spPr>
+          <a:xfrm>
+            <a:off x="540000" y="3960000"/>
+            <a:ext cx="1070042" cy="542675"/>
+          </a:xfrm>
+          <a:prstGeom prst="rect">
+            <a:avLst/>
+          </a:prstGeom>
+          <a:solidFill>
+            <a:schemeClr val="accent2"/>
+          </a:solidFill>
+        </p:spPr>
+        <p:txBody>
+          <a:bodyPr wrap="square" rtlCol="0">
+            <a:spAutoFit/>
+          </a:bodyPr>
+          <a:lstStyle/>
+          <a:p>
+            <a:r>
+              <a:rPr kumimoji="1" lang="zh-CN" altLang="en-US" sz="2800" dirty="0">
+                <a:solidFill>
+                  <a:schemeClr val="bg1"/>
+                </a:solidFill>
+                <a:latin typeface="Microsoft YaHei" panose="020B0503020204020204" pitchFamily="34" charset="-122"/>
+                <a:ea typeface="Microsoft YaHei" panose="020B0503020204020204" pitchFamily="34" charset="-122"/>
+              </a:rPr>
+              <a:t>例子</a:t>
+            </a:r>
+          </a:p>
+        </p:txBody>
+      </p:sp>
+    </p:spTree>
+    <p:extLst>
+      <p:ext uri="{BB962C8B-B14F-4D97-AF65-F5344CB8AC3E}">
+        <p14:creationId xmlns:p14="http://schemas.microsoft.com/office/powerpoint/2010/main" val="2691737872"/>
+      </p:ext>
+    </p:extLst>
+  </p:cSld>
+  <p:clrMapOvr>
+    <a:masterClrMapping/>
+  </p:clrMapOvr>
+</p:sld>
+</file>
+
+<file path=ppt/slides/slide12.xml><?xml version="1.0" encoding="utf-8"?>
+<p:sld xmlns:a="http://schemas.openxmlformats.org/drawingml/2006/main" xmlns:r="http://schemas.openxmlformats.org/officeDocument/2006/relationships" xmlns:p="http://schemas.openxmlformats.org/presentationml/2006/main">
+  <p:cSld>
+    <p:bg>
+      <p:bgPr>
+        <a:blipFill>
+          <a:blip r:embed="rId2"/>
+          <a:tile tx="0" ty="0" sx="100000" sy="100000" flip="none" algn="tl"/>
+        </a:blipFill>
+        <a:effectLst/>
+      </p:bgPr>
+    </p:bg>
+    <p:spTree>
+      <p:nvGrpSpPr>
+        <p:cNvPr id="1" name=""/>
+        <p:cNvGrpSpPr/>
+        <p:nvPr/>
+      </p:nvGrpSpPr>
+      <p:grpSpPr>
+        <a:xfrm>
+          <a:off x="0" y="0"/>
+          <a:ext cx="0" cy="0"/>
+          <a:chOff x="0" y="0"/>
+          <a:chExt cx="0" cy="0"/>
+        </a:xfrm>
+      </p:grpSpPr>
+      <p:sp>
+        <p:nvSpPr>
+          <p:cNvPr id="3" name="文本框 2">
+            <a:extLst>
+              <a:ext uri="{FF2B5EF4-FFF2-40B4-BE49-F238E27FC236}">
+                <a16:creationId xmlns:a16="http://schemas.microsoft.com/office/drawing/2014/main" id="{62BFC649-BF8E-2841-8EAF-47AFBF9D6671}"/>
+              </a:ext>
+            </a:extLst>
+          </p:cNvPr>
+          <p:cNvSpPr txBox="1"/>
+          <p:nvPr/>
+        </p:nvSpPr>
+        <p:spPr>
+          <a:xfrm>
+            <a:off x="2054352" y="655874"/>
+            <a:ext cx="8083296" cy="830997"/>
+          </a:xfrm>
+          <a:prstGeom prst="rect">
+            <a:avLst/>
+          </a:prstGeom>
+          <a:noFill/>
+        </p:spPr>
+        <p:txBody>
+          <a:bodyPr wrap="square" rtlCol="0">
+            <a:spAutoFit/>
+          </a:bodyPr>
+          <a:lstStyle/>
+          <a:p>
+            <a:pPr algn="ctr"/>
+            <a:r>
+              <a:rPr kumimoji="1" lang="en-US" altLang="zh-CN" sz="4800" dirty="0">
+                <a:latin typeface="Microsoft YaHei" panose="020B0503020204020204" pitchFamily="34" charset="-122"/>
+                <a:ea typeface="Microsoft YaHei" panose="020B0503020204020204" pitchFamily="34" charset="-122"/>
+              </a:rPr>
+              <a:t>4.</a:t>
+            </a:r>
+            <a:r>
+              <a:rPr kumimoji="1" lang="zh-CN" altLang="en-US" sz="4800" dirty="0">
+                <a:latin typeface="Microsoft YaHei" panose="020B0503020204020204" pitchFamily="34" charset="-122"/>
+                <a:ea typeface="Microsoft YaHei" panose="020B0503020204020204" pitchFamily="34" charset="-122"/>
+              </a:rPr>
+              <a:t>朴素模式匹配算法</a:t>
+            </a:r>
+          </a:p>
+        </p:txBody>
+      </p:sp>
+    </p:spTree>
+    <p:extLst>
+      <p:ext uri="{BB962C8B-B14F-4D97-AF65-F5344CB8AC3E}">
+        <p14:creationId xmlns:p14="http://schemas.microsoft.com/office/powerpoint/2010/main" val="1981531383"/>
+      </p:ext>
+    </p:extLst>
+  </p:cSld>
+  <p:clrMapOvr>
+    <a:masterClrMapping/>
+  </p:clrMapOvr>
+</p:sld>
+</file>
+
+<file path=ppt/slides/slide13.xml><?xml version="1.0" encoding="utf-8"?>
+<p:sld xmlns:a="http://schemas.openxmlformats.org/drawingml/2006/main" xmlns:r="http://schemas.openxmlformats.org/officeDocument/2006/relationships" xmlns:p="http://schemas.openxmlformats.org/presentationml/2006/main">
+  <p:cSld>
+    <p:bg>
+      <p:bgPr>
+        <a:blipFill>
+          <a:blip r:embed="rId2"/>
+          <a:tile tx="0" ty="0" sx="100000" sy="100000" flip="none" algn="tl"/>
+        </a:blipFill>
+        <a:effectLst/>
+      </p:bgPr>
+    </p:bg>
+    <p:spTree>
+      <p:nvGrpSpPr>
+        <p:cNvPr id="1" name=""/>
+        <p:cNvGrpSpPr/>
+        <p:nvPr/>
+      </p:nvGrpSpPr>
+      <p:grpSpPr>
+        <a:xfrm>
+          <a:off x="0" y="0"/>
+          <a:ext cx="0" cy="0"/>
+          <a:chOff x="0" y="0"/>
+          <a:chExt cx="0" cy="0"/>
+        </a:xfrm>
+      </p:grpSpPr>
+      <p:sp>
+        <p:nvSpPr>
+          <p:cNvPr id="3" name="文本框 2">
+            <a:extLst>
+              <a:ext uri="{FF2B5EF4-FFF2-40B4-BE49-F238E27FC236}">
+                <a16:creationId xmlns:a16="http://schemas.microsoft.com/office/drawing/2014/main" id="{62BFC649-BF8E-2841-8EAF-47AFBF9D6671}"/>
+              </a:ext>
+            </a:extLst>
+          </p:cNvPr>
+          <p:cNvSpPr txBox="1"/>
+          <p:nvPr/>
+        </p:nvSpPr>
+        <p:spPr>
+          <a:xfrm>
+            <a:off x="2054352" y="718220"/>
+            <a:ext cx="8083296" cy="830997"/>
+          </a:xfrm>
+          <a:prstGeom prst="rect">
+            <a:avLst/>
+          </a:prstGeom>
+          <a:noFill/>
+        </p:spPr>
+        <p:txBody>
+          <a:bodyPr wrap="square" rtlCol="0">
+            <a:spAutoFit/>
+          </a:bodyPr>
+          <a:lstStyle/>
+          <a:p>
+            <a:pPr algn="ctr"/>
+            <a:r>
+              <a:rPr kumimoji="1" lang="en-US" altLang="zh-CN" sz="4800" dirty="0">
+                <a:latin typeface="Microsoft YaHei" panose="020B0503020204020204" pitchFamily="34" charset="-122"/>
+                <a:ea typeface="Microsoft YaHei" panose="020B0503020204020204" pitchFamily="34" charset="-122"/>
+              </a:rPr>
+              <a:t>5.KMP</a:t>
+            </a:r>
+            <a:r>
+              <a:rPr kumimoji="1" lang="zh-CN" altLang="en-US" sz="4800" dirty="0">
+                <a:latin typeface="Microsoft YaHei" panose="020B0503020204020204" pitchFamily="34" charset="-122"/>
+                <a:ea typeface="Microsoft YaHei" panose="020B0503020204020204" pitchFamily="34" charset="-122"/>
+              </a:rPr>
+              <a:t>模式匹配算法</a:t>
+            </a:r>
+          </a:p>
+        </p:txBody>
+      </p:sp>
+      <p:sp>
+        <p:nvSpPr>
+          <p:cNvPr id="2" name="文本框 1">
+            <a:extLst>
+              <a:ext uri="{FF2B5EF4-FFF2-40B4-BE49-F238E27FC236}">
+                <a16:creationId xmlns:a16="http://schemas.microsoft.com/office/drawing/2014/main" id="{2348A353-F74A-F749-85B3-0743B6EAB0EF}"/>
+              </a:ext>
+            </a:extLst>
+          </p:cNvPr>
+          <p:cNvSpPr txBox="1"/>
+          <p:nvPr/>
+        </p:nvSpPr>
+        <p:spPr>
+          <a:xfrm>
+            <a:off x="2466753" y="2445488"/>
+            <a:ext cx="6039294" cy="523220"/>
+          </a:xfrm>
+          <a:prstGeom prst="rect">
+            <a:avLst/>
+          </a:prstGeom>
+          <a:noFill/>
+        </p:spPr>
+        <p:txBody>
+          <a:bodyPr wrap="square" rtlCol="0">
+            <a:spAutoFit/>
+          </a:bodyPr>
+          <a:lstStyle/>
+          <a:p>
+            <a:r>
+              <a:rPr kumimoji="1" lang="zh-CN" altLang="en-US" sz="2800" dirty="0"/>
+              <a:t>基于单链表的基础，增加循环的功能</a:t>
+            </a:r>
+          </a:p>
+        </p:txBody>
+      </p:sp>
+    </p:spTree>
+    <p:extLst>
+      <p:ext uri="{BB962C8B-B14F-4D97-AF65-F5344CB8AC3E}">
+        <p14:creationId xmlns:p14="http://schemas.microsoft.com/office/powerpoint/2010/main" val="1742615019"/>
+      </p:ext>
+    </p:extLst>
+  </p:cSld>
+  <p:clrMapOvr>
+    <a:masterClrMapping/>
+  </p:clrMapOvr>
+</p:sld>
+</file>
+
+<file path=ppt/slides/slide14.xml><?xml version="1.0" encoding="utf-8"?>
+<p:sld xmlns:a="http://schemas.openxmlformats.org/drawingml/2006/main" xmlns:r="http://schemas.openxmlformats.org/officeDocument/2006/relationships" xmlns:p="http://schemas.openxmlformats.org/presentationml/2006/main">
+  <p:cSld>
+    <p:bg>
+      <p:bgPr>
+        <a:blipFill>
+          <a:blip r:embed="rId3"/>
+          <a:tile tx="0" ty="0" sx="100000" sy="100000" flip="none" algn="tl"/>
+        </a:blipFill>
+        <a:effectLst/>
+      </p:bgPr>
+    </p:bg>
+    <p:spTree>
+      <p:nvGrpSpPr>
+        <p:cNvPr id="1" name=""/>
+        <p:cNvGrpSpPr/>
+        <p:nvPr/>
+      </p:nvGrpSpPr>
+      <p:grpSpPr>
+        <a:xfrm>
+          <a:off x="0" y="0"/>
+          <a:ext cx="0" cy="0"/>
+          <a:chOff x="0" y="0"/>
+          <a:chExt cx="0" cy="0"/>
+        </a:xfrm>
+      </p:grpSpPr>
+      <p:sp>
+        <p:nvSpPr>
+          <p:cNvPr id="2" name="文本框 1">
+            <a:extLst>
+              <a:ext uri="{FF2B5EF4-FFF2-40B4-BE49-F238E27FC236}">
+                <a16:creationId xmlns:a16="http://schemas.microsoft.com/office/drawing/2014/main" id="{12AA8BCC-7B15-4842-80C2-48C079429338}"/>
+              </a:ext>
+            </a:extLst>
+          </p:cNvPr>
+          <p:cNvSpPr txBox="1"/>
+          <p:nvPr/>
+        </p:nvSpPr>
+        <p:spPr>
+          <a:xfrm>
+            <a:off x="2228088" y="2921168"/>
+            <a:ext cx="7735824" cy="1015663"/>
+          </a:xfrm>
+          <a:prstGeom prst="rect">
+            <a:avLst/>
+          </a:prstGeom>
+          <a:noFill/>
+        </p:spPr>
+        <p:txBody>
+          <a:bodyPr wrap="square" rtlCol="0">
+            <a:spAutoFit/>
+          </a:bodyPr>
+          <a:lstStyle/>
+          <a:p>
+            <a:pPr algn="ctr"/>
+            <a:r>
+              <a:rPr kumimoji="1" lang="zh-CN" altLang="en-US" sz="6000" dirty="0">
+                <a:latin typeface="Microsoft YaHei" panose="020B0503020204020204" pitchFamily="34" charset="-122"/>
+                <a:ea typeface="Microsoft YaHei" panose="020B0503020204020204" pitchFamily="34" charset="-122"/>
+              </a:rPr>
+              <a:t>这堂课我们学了撒？</a:t>
+            </a:r>
+          </a:p>
+        </p:txBody>
+      </p:sp>
+    </p:spTree>
+    <p:extLst>
+      <p:ext uri="{BB962C8B-B14F-4D97-AF65-F5344CB8AC3E}">
+        <p14:creationId xmlns:p14="http://schemas.microsoft.com/office/powerpoint/2010/main" val="3338372476"/>
+      </p:ext>
+    </p:extLst>
+  </p:cSld>
+  <p:clrMapOvr>
+    <a:masterClrMapping/>
+  </p:clrMapOvr>
+</p:sld>
+</file>
+
+<file path=ppt/slides/slide15.xml><?xml version="1.0" encoding="utf-8"?>
+<p:sld xmlns:a="http://schemas.openxmlformats.org/drawingml/2006/main" xmlns:r="http://schemas.openxmlformats.org/officeDocument/2006/relationships" xmlns:p="http://schemas.openxmlformats.org/presentationml/2006/main">
+  <p:cSld>
+    <p:bg>
+      <p:bgPr>
+        <a:blipFill>
+          <a:blip r:embed="rId3"/>
+          <a:tile tx="0" ty="0" sx="100000" sy="100000" flip="none" algn="tl"/>
+        </a:blipFill>
+        <a:effectLst/>
+      </p:bgPr>
+    </p:bg>
+    <p:spTree>
+      <p:nvGrpSpPr>
+        <p:cNvPr id="1" name=""/>
+        <p:cNvGrpSpPr/>
+        <p:nvPr/>
+      </p:nvGrpSpPr>
+      <p:grpSpPr>
+        <a:xfrm>
+          <a:off x="0" y="0"/>
+          <a:ext cx="0" cy="0"/>
+          <a:chOff x="0" y="0"/>
+          <a:chExt cx="0" cy="0"/>
+        </a:xfrm>
+      </p:grpSpPr>
+      <p:sp>
+        <p:nvSpPr>
+          <p:cNvPr id="3" name="文本框 2">
+            <a:extLst>
+              <a:ext uri="{FF2B5EF4-FFF2-40B4-BE49-F238E27FC236}">
+                <a16:creationId xmlns:a16="http://schemas.microsoft.com/office/drawing/2014/main" id="{62BFC649-BF8E-2841-8EAF-47AFBF9D6671}"/>
+              </a:ext>
+            </a:extLst>
+          </p:cNvPr>
+          <p:cNvSpPr txBox="1"/>
+          <p:nvPr/>
+        </p:nvSpPr>
+        <p:spPr>
+          <a:xfrm>
+            <a:off x="914400" y="581161"/>
+            <a:ext cx="10363200" cy="830997"/>
+          </a:xfrm>
+          <a:prstGeom prst="rect">
+            <a:avLst/>
+          </a:prstGeom>
+          <a:noFill/>
+        </p:spPr>
+        <p:txBody>
+          <a:bodyPr wrap="square" rtlCol="0">
+            <a:spAutoFit/>
+          </a:bodyPr>
+          <a:lstStyle/>
+          <a:p>
+            <a:pPr algn="ctr"/>
+            <a:r>
+              <a:rPr kumimoji="1" lang="zh-CN" altLang="en-US" sz="4800" dirty="0">
+                <a:latin typeface="Microsoft YaHei" panose="020B0503020204020204" pitchFamily="34" charset="-122"/>
+                <a:ea typeface="Microsoft YaHei" panose="020B0503020204020204" pitchFamily="34" charset="-122"/>
+              </a:rPr>
+              <a:t>总结</a:t>
+            </a:r>
+            <a:endParaRPr kumimoji="1" lang="en-US" altLang="zh-CN" sz="4800" dirty="0">
+              <a:latin typeface="Microsoft YaHei" panose="020B0503020204020204" pitchFamily="34" charset="-122"/>
+              <a:ea typeface="Microsoft YaHei" panose="020B0503020204020204" pitchFamily="34" charset="-122"/>
+            </a:endParaRPr>
+          </a:p>
+        </p:txBody>
+      </p:sp>
+      <p:sp>
+        <p:nvSpPr>
+          <p:cNvPr id="5" name="文本框 4">
+            <a:extLst>
+              <a:ext uri="{FF2B5EF4-FFF2-40B4-BE49-F238E27FC236}">
+                <a16:creationId xmlns:a16="http://schemas.microsoft.com/office/drawing/2014/main" id="{70A8FD9E-655D-F742-ACDB-18BF84BE05B3}"/>
+              </a:ext>
+            </a:extLst>
+          </p:cNvPr>
+          <p:cNvSpPr txBox="1"/>
+          <p:nvPr/>
+        </p:nvSpPr>
+        <p:spPr>
+          <a:xfrm>
+            <a:off x="765810" y="2785730"/>
+            <a:ext cx="9037409" cy="523220"/>
+          </a:xfrm>
+          <a:prstGeom prst="rect">
+            <a:avLst/>
+          </a:prstGeom>
+          <a:noFill/>
+        </p:spPr>
+        <p:txBody>
+          <a:bodyPr wrap="square" rtlCol="0">
+            <a:spAutoFit/>
+          </a:bodyPr>
+          <a:lstStyle/>
+          <a:p>
+            <a:r>
+              <a:rPr kumimoji="1" lang="zh-CN" altLang="en-US" sz="2800" dirty="0">
+                <a:latin typeface="Microsoft YaHei" panose="020B0503020204020204" pitchFamily="34" charset="-122"/>
+                <a:ea typeface="Microsoft YaHei" panose="020B0503020204020204" pitchFamily="34" charset="-122"/>
+              </a:rPr>
+              <a:t>重点： 两种存储方式 以及它们对应的</a:t>
+            </a:r>
+            <a:r>
+              <a:rPr kumimoji="1" lang="en-US" altLang="zh-CN" sz="2800" dirty="0">
+                <a:latin typeface="Microsoft YaHei" panose="020B0503020204020204" pitchFamily="34" charset="-122"/>
+                <a:ea typeface="Microsoft YaHei" panose="020B0503020204020204" pitchFamily="34" charset="-122"/>
+              </a:rPr>
+              <a:t>crud</a:t>
+            </a:r>
+            <a:endParaRPr kumimoji="1" lang="zh-CN" altLang="en-US" sz="2800" dirty="0">
+              <a:latin typeface="Microsoft YaHei" panose="020B0503020204020204" pitchFamily="34" charset="-122"/>
+              <a:ea typeface="Microsoft YaHei" panose="020B0503020204020204" pitchFamily="34" charset="-122"/>
+            </a:endParaRPr>
+          </a:p>
+        </p:txBody>
+      </p:sp>
+    </p:spTree>
+    <p:extLst>
+      <p:ext uri="{BB962C8B-B14F-4D97-AF65-F5344CB8AC3E}">
+        <p14:creationId xmlns:p14="http://schemas.microsoft.com/office/powerpoint/2010/main" val="4062917305"/>
+      </p:ext>
+    </p:extLst>
+  </p:cSld>
+  <p:clrMapOvr>
+    <a:masterClrMapping/>
+  </p:clrMapOvr>
+</p:sld>
+</file>
+
+<file path=ppt/slides/slide16.xml><?xml version="1.0" encoding="utf-8"?>
 <p:sld xmlns:a="http://schemas.openxmlformats.org/drawingml/2006/main" xmlns:r="http://schemas.openxmlformats.org/officeDocument/2006/relationships" xmlns:p="http://schemas.openxmlformats.org/presentationml/2006/main">
   <p:cSld>
     <p:bg>
@@ -4241,21 +5048,7 @@
                 <a:latin typeface="Microsoft YaHei" panose="020B0503020204020204" pitchFamily="34" charset="-122"/>
                 <a:ea typeface="Microsoft YaHei" panose="020B0503020204020204" pitchFamily="34" charset="-122"/>
               </a:rPr>
-              <a:t>什么是树</a:t>
-            </a:r>
-            <a:r>
-              <a:rPr kumimoji="1" lang="en-US" altLang="zh-CN" sz="2800" dirty="0">
-                <a:latin typeface="Microsoft YaHei" panose="020B0503020204020204" pitchFamily="34" charset="-122"/>
-                <a:ea typeface="Microsoft YaHei" panose="020B0503020204020204" pitchFamily="34" charset="-122"/>
-              </a:rPr>
-              <a:t>/</a:t>
-            </a:r>
-            <a:r>
-              <a:rPr kumimoji="1" lang="zh-CN" altLang="en-US" sz="2800" dirty="0">
-                <a:latin typeface="Microsoft YaHei" panose="020B0503020204020204" pitchFamily="34" charset="-122"/>
-                <a:ea typeface="Microsoft YaHei" panose="020B0503020204020204" pitchFamily="34" charset="-122"/>
-              </a:rPr>
-              <a:t>二叉树</a:t>
+              <a:t>树及相关概念</a:t>
             </a:r>
             <a:endParaRPr kumimoji="1" lang="en-US" altLang="zh-CN" sz="2800" dirty="0">
               <a:latin typeface="Microsoft YaHei" panose="020B0503020204020204" pitchFamily="34" charset="-122"/>
@@ -4483,44 +5276,6 @@
       </p:sp>
       <p:sp>
         <p:nvSpPr>
-          <p:cNvPr id="8" name="文本框 7">
-            <a:extLst>
-              <a:ext uri="{FF2B5EF4-FFF2-40B4-BE49-F238E27FC236}">
-                <a16:creationId xmlns:a16="http://schemas.microsoft.com/office/drawing/2014/main" id="{75D7D6ED-43A8-DC4B-84B6-AB03F6270117}"/>
-              </a:ext>
-            </a:extLst>
-          </p:cNvPr>
-          <p:cNvSpPr txBox="1"/>
-          <p:nvPr/>
-        </p:nvSpPr>
-        <p:spPr>
-          <a:xfrm>
-            <a:off x="1610042" y="2601758"/>
-            <a:ext cx="6609588" cy="523220"/>
-          </a:xfrm>
-          <a:prstGeom prst="rect">
-            <a:avLst/>
-          </a:prstGeom>
-          <a:noFill/>
-        </p:spPr>
-        <p:txBody>
-          <a:bodyPr wrap="square" rtlCol="0">
-            <a:spAutoFit/>
-          </a:bodyPr>
-          <a:lstStyle/>
-          <a:p>
-            <a:r>
-              <a:rPr kumimoji="1" lang="zh-CN" altLang="en-US" sz="2800" dirty="0">
-                <a:latin typeface="微软雅黑" panose="020B0503020204020204" pitchFamily="34" charset="-122"/>
-                <a:ea typeface="Microsoft YaHei" panose="020B0503020204020204" pitchFamily="34" charset="-122"/>
-              </a:rPr>
-              <a:t>零个或者多个元素的有限序列</a:t>
-            </a:r>
-          </a:p>
-        </p:txBody>
-      </p:sp>
-      <p:sp>
-        <p:nvSpPr>
           <p:cNvPr id="6" name="文本框 5">
             <a:extLst>
               <a:ext uri="{FF2B5EF4-FFF2-40B4-BE49-F238E27FC236}">
@@ -4564,10 +5319,10 @@
       </p:sp>
       <p:sp>
         <p:nvSpPr>
-          <p:cNvPr id="7" name="文本框 6">
-            <a:extLst>
-              <a:ext uri="{FF2B5EF4-FFF2-40B4-BE49-F238E27FC236}">
-                <a16:creationId xmlns:a16="http://schemas.microsoft.com/office/drawing/2014/main" id="{E3DBEB63-A536-3344-AA3A-239CDFC4361D}"/>
+          <p:cNvPr id="9" name="文本框 8">
+            <a:extLst>
+              <a:ext uri="{FF2B5EF4-FFF2-40B4-BE49-F238E27FC236}">
+                <a16:creationId xmlns:a16="http://schemas.microsoft.com/office/drawing/2014/main" id="{EA0C047A-A5B2-374F-BD04-7B639430470F}"/>
               </a:ext>
             </a:extLst>
           </p:cNvPr>
@@ -4576,51 +5331,8 @@
         </p:nvSpPr>
         <p:spPr>
           <a:xfrm>
-            <a:off x="540000" y="3960000"/>
-            <a:ext cx="1070042" cy="542675"/>
-          </a:xfrm>
-          <a:prstGeom prst="rect">
-            <a:avLst/>
-          </a:prstGeom>
-          <a:solidFill>
-            <a:schemeClr val="accent2"/>
-          </a:solidFill>
-        </p:spPr>
-        <p:txBody>
-          <a:bodyPr wrap="square" rtlCol="0">
-            <a:spAutoFit/>
-          </a:bodyPr>
-          <a:lstStyle/>
-          <a:p>
-            <a:r>
-              <a:rPr kumimoji="1" lang="zh-CN" altLang="en-US" sz="2800" dirty="0">
-                <a:solidFill>
-                  <a:schemeClr val="bg1"/>
-                </a:solidFill>
-                <a:latin typeface="Microsoft YaHei" panose="020B0503020204020204" pitchFamily="34" charset="-122"/>
-                <a:ea typeface="Microsoft YaHei" panose="020B0503020204020204" pitchFamily="34" charset="-122"/>
-              </a:rPr>
-              <a:t>例子</a:t>
-            </a:r>
-          </a:p>
-        </p:txBody>
-      </p:sp>
-      <p:sp>
-        <p:nvSpPr>
-          <p:cNvPr id="9" name="文本框 8">
-            <a:extLst>
-              <a:ext uri="{FF2B5EF4-FFF2-40B4-BE49-F238E27FC236}">
-                <a16:creationId xmlns:a16="http://schemas.microsoft.com/office/drawing/2014/main" id="{EA0C047A-A5B2-374F-BD04-7B639430470F}"/>
-              </a:ext>
-            </a:extLst>
-          </p:cNvPr>
-          <p:cNvSpPr txBox="1"/>
-          <p:nvPr/>
-        </p:nvSpPr>
-        <p:spPr>
-          <a:xfrm>
-            <a:off x="1610042" y="5337697"/>
-            <a:ext cx="6609588" cy="523220"/>
+            <a:off x="1582660" y="2342675"/>
+            <a:ext cx="10069340" cy="2677656"/>
           </a:xfrm>
           <a:prstGeom prst="rect">
             <a:avLst/>
@@ -4638,7 +5350,208 @@
                 <a:latin typeface="微软雅黑" panose="020B0503020204020204" pitchFamily="34" charset="-122"/>
                 <a:ea typeface="Microsoft YaHei" panose="020B0503020204020204" pitchFamily="34" charset="-122"/>
               </a:rPr>
-              <a:t>排队</a:t>
+              <a:t>树</a:t>
+            </a:r>
+            <a:r>
+              <a:rPr kumimoji="1" lang="en-US" altLang="zh-CN" sz="2800" dirty="0">
+                <a:latin typeface="微软雅黑" panose="020B0503020204020204" pitchFamily="34" charset="-122"/>
+                <a:ea typeface="Microsoft YaHei" panose="020B0503020204020204" pitchFamily="34" charset="-122"/>
+              </a:rPr>
+              <a:t>(Tree)</a:t>
+            </a:r>
+            <a:r>
+              <a:rPr kumimoji="1" lang="zh-CN" altLang="en-US" sz="2800" dirty="0">
+                <a:latin typeface="微软雅黑" panose="020B0503020204020204" pitchFamily="34" charset="-122"/>
+                <a:ea typeface="Microsoft YaHei" panose="020B0503020204020204" pitchFamily="34" charset="-122"/>
+              </a:rPr>
+              <a:t> 是</a:t>
+            </a:r>
+            <a:r>
+              <a:rPr kumimoji="1" lang="en-US" altLang="zh-CN" sz="2800" dirty="0">
+                <a:latin typeface="微软雅黑" panose="020B0503020204020204" pitchFamily="34" charset="-122"/>
+                <a:ea typeface="Microsoft YaHei" panose="020B0503020204020204" pitchFamily="34" charset="-122"/>
+              </a:rPr>
+              <a:t>n</a:t>
+            </a:r>
+            <a:r>
+              <a:rPr kumimoji="1" lang="zh-CN" altLang="en-US" sz="2800" dirty="0">
+                <a:latin typeface="微软雅黑" panose="020B0503020204020204" pitchFamily="34" charset="-122"/>
+                <a:ea typeface="Microsoft YaHei" panose="020B0503020204020204" pitchFamily="34" charset="-122"/>
+              </a:rPr>
+              <a:t> </a:t>
+            </a:r>
+            <a:r>
+              <a:rPr kumimoji="1" lang="en-US" altLang="zh-CN" sz="2800" dirty="0">
+                <a:latin typeface="微软雅黑" panose="020B0503020204020204" pitchFamily="34" charset="-122"/>
+                <a:ea typeface="Microsoft YaHei" panose="020B0503020204020204" pitchFamily="34" charset="-122"/>
+              </a:rPr>
+              <a:t>(n≥0)</a:t>
+            </a:r>
+            <a:r>
+              <a:rPr kumimoji="1" lang="zh-CN" altLang="en-US" sz="2800" dirty="0">
+                <a:latin typeface="微软雅黑" panose="020B0503020204020204" pitchFamily="34" charset="-122"/>
+                <a:ea typeface="Microsoft YaHei" panose="020B0503020204020204" pitchFamily="34" charset="-122"/>
+              </a:rPr>
+              <a:t>个结点的有限集。</a:t>
+            </a:r>
+            <a:endParaRPr kumimoji="1" lang="en-US" altLang="zh-CN" sz="2800" dirty="0">
+              <a:latin typeface="微软雅黑" panose="020B0503020204020204" pitchFamily="34" charset="-122"/>
+              <a:ea typeface="Microsoft YaHei" panose="020B0503020204020204" pitchFamily="34" charset="-122"/>
+            </a:endParaRPr>
+          </a:p>
+          <a:p>
+            <a:r>
+              <a:rPr kumimoji="1" lang="en-US" altLang="zh-CN" sz="2800" dirty="0">
+                <a:latin typeface="微软雅黑" panose="020B0503020204020204" pitchFamily="34" charset="-122"/>
+                <a:ea typeface="Microsoft YaHei" panose="020B0503020204020204" pitchFamily="34" charset="-122"/>
+              </a:rPr>
+              <a:t>N=0</a:t>
+            </a:r>
+            <a:r>
+              <a:rPr kumimoji="1" lang="zh-CN" altLang="en-US" sz="2800" dirty="0">
+                <a:latin typeface="微软雅黑" panose="020B0503020204020204" pitchFamily="34" charset="-122"/>
+                <a:ea typeface="Microsoft YaHei" panose="020B0503020204020204" pitchFamily="34" charset="-122"/>
+              </a:rPr>
+              <a:t>时称为空树。</a:t>
+            </a:r>
+            <a:endParaRPr kumimoji="1" lang="en-US" altLang="zh-CN" sz="2800" dirty="0">
+              <a:latin typeface="微软雅黑" panose="020B0503020204020204" pitchFamily="34" charset="-122"/>
+              <a:ea typeface="Microsoft YaHei" panose="020B0503020204020204" pitchFamily="34" charset="-122"/>
+            </a:endParaRPr>
+          </a:p>
+          <a:p>
+            <a:r>
+              <a:rPr kumimoji="1" lang="zh-CN" altLang="en-US" sz="2800" dirty="0">
+                <a:latin typeface="微软雅黑" panose="020B0503020204020204" pitchFamily="34" charset="-122"/>
+                <a:ea typeface="Microsoft YaHei" panose="020B0503020204020204" pitchFamily="34" charset="-122"/>
+              </a:rPr>
+              <a:t>在任意一棵非空树中： </a:t>
+            </a:r>
+            <a:r>
+              <a:rPr kumimoji="1" lang="en-US" altLang="zh-CN" sz="2800" dirty="0">
+                <a:latin typeface="微软雅黑" panose="020B0503020204020204" pitchFamily="34" charset="-122"/>
+                <a:ea typeface="Microsoft YaHei" panose="020B0503020204020204" pitchFamily="34" charset="-122"/>
+              </a:rPr>
+              <a:t>(1)</a:t>
+            </a:r>
+            <a:r>
+              <a:rPr kumimoji="1" lang="zh-CN" altLang="en-US" sz="2800" dirty="0">
+                <a:latin typeface="微软雅黑" panose="020B0503020204020204" pitchFamily="34" charset="-122"/>
+                <a:ea typeface="Microsoft YaHei" panose="020B0503020204020204" pitchFamily="34" charset="-122"/>
+              </a:rPr>
+              <a:t>有且仅有一个特定的称为 根</a:t>
+            </a:r>
+            <a:r>
+              <a:rPr kumimoji="1" lang="en-US" altLang="zh-CN" sz="2800" dirty="0">
+                <a:latin typeface="微软雅黑" panose="020B0503020204020204" pitchFamily="34" charset="-122"/>
+                <a:ea typeface="Microsoft YaHei" panose="020B0503020204020204" pitchFamily="34" charset="-122"/>
+              </a:rPr>
+              <a:t>(Root)</a:t>
+            </a:r>
+            <a:r>
+              <a:rPr kumimoji="1" lang="zh-CN" altLang="en-US" sz="2800" dirty="0">
+                <a:latin typeface="微软雅黑" panose="020B0503020204020204" pitchFamily="34" charset="-122"/>
+                <a:ea typeface="Microsoft YaHei" panose="020B0503020204020204" pitchFamily="34" charset="-122"/>
+              </a:rPr>
+              <a:t>的节点；</a:t>
+            </a:r>
+            <a:r>
+              <a:rPr kumimoji="1" lang="en-US" altLang="zh-CN" sz="2800" dirty="0">
+                <a:latin typeface="微软雅黑" panose="020B0503020204020204" pitchFamily="34" charset="-122"/>
+                <a:ea typeface="Microsoft YaHei" panose="020B0503020204020204" pitchFamily="34" charset="-122"/>
+              </a:rPr>
+              <a:t>(2)</a:t>
+            </a:r>
+            <a:r>
+              <a:rPr kumimoji="1" lang="zh-CN" altLang="en-US" sz="2800" dirty="0">
+                <a:latin typeface="微软雅黑" panose="020B0503020204020204" pitchFamily="34" charset="-122"/>
+                <a:ea typeface="Microsoft YaHei" panose="020B0503020204020204" pitchFamily="34" charset="-122"/>
+              </a:rPr>
+              <a:t>当</a:t>
+            </a:r>
+            <a:r>
+              <a:rPr kumimoji="1" lang="en-US" altLang="zh-CN" sz="2800" dirty="0">
+                <a:latin typeface="微软雅黑" panose="020B0503020204020204" pitchFamily="34" charset="-122"/>
+                <a:ea typeface="Microsoft YaHei" panose="020B0503020204020204" pitchFamily="34" charset="-122"/>
+              </a:rPr>
+              <a:t>n&gt;1</a:t>
+            </a:r>
+            <a:r>
+              <a:rPr kumimoji="1" lang="zh-CN" altLang="en-US" sz="2800" dirty="0">
+                <a:latin typeface="微软雅黑" panose="020B0503020204020204" pitchFamily="34" charset="-122"/>
+                <a:ea typeface="Microsoft YaHei" panose="020B0503020204020204" pitchFamily="34" charset="-122"/>
+              </a:rPr>
+              <a:t>时，其余节点可分为</a:t>
+            </a:r>
+            <a:r>
+              <a:rPr kumimoji="1" lang="en-US" altLang="zh-CN" sz="2800" dirty="0">
+                <a:latin typeface="微软雅黑" panose="020B0503020204020204" pitchFamily="34" charset="-122"/>
+                <a:ea typeface="Microsoft YaHei" panose="020B0503020204020204" pitchFamily="34" charset="-122"/>
+              </a:rPr>
+              <a:t>m(m&gt;0)</a:t>
+            </a:r>
+            <a:r>
+              <a:rPr kumimoji="1" lang="zh-CN" altLang="en-US" sz="2800" dirty="0">
+                <a:latin typeface="微软雅黑" panose="020B0503020204020204" pitchFamily="34" charset="-122"/>
+                <a:ea typeface="Microsoft YaHei" panose="020B0503020204020204" pitchFamily="34" charset="-122"/>
+              </a:rPr>
+              <a:t>个互不相交的有限集合 </a:t>
+            </a:r>
+            <a:r>
+              <a:rPr kumimoji="1" lang="en-US" altLang="zh-CN" sz="2800" dirty="0">
+                <a:latin typeface="微软雅黑" panose="020B0503020204020204" pitchFamily="34" charset="-122"/>
+                <a:ea typeface="Microsoft YaHei" panose="020B0503020204020204" pitchFamily="34" charset="-122"/>
+              </a:rPr>
+              <a:t>T1,T2,</a:t>
+            </a:r>
+            <a:r>
+              <a:rPr kumimoji="1" lang="zh-CN" altLang="en-US" sz="2800" dirty="0">
+                <a:latin typeface="微软雅黑" panose="020B0503020204020204" pitchFamily="34" charset="-122"/>
+                <a:ea typeface="Microsoft YaHei" panose="020B0503020204020204" pitchFamily="34" charset="-122"/>
+              </a:rPr>
+              <a:t> </a:t>
+            </a:r>
+            <a:r>
+              <a:rPr kumimoji="1" lang="en-US" altLang="zh-CN" sz="2800" dirty="0">
+                <a:latin typeface="微软雅黑" panose="020B0503020204020204" pitchFamily="34" charset="-122"/>
+                <a:ea typeface="Microsoft YaHei" panose="020B0503020204020204" pitchFamily="34" charset="-122"/>
+              </a:rPr>
+              <a:t>…..</a:t>
+            </a:r>
+            <a:r>
+              <a:rPr kumimoji="1" lang="zh-CN" altLang="en-US" sz="2800" dirty="0">
+                <a:latin typeface="微软雅黑" panose="020B0503020204020204" pitchFamily="34" charset="-122"/>
+                <a:ea typeface="Microsoft YaHei" panose="020B0503020204020204" pitchFamily="34" charset="-122"/>
+              </a:rPr>
+              <a:t> </a:t>
+            </a:r>
+            <a:r>
+              <a:rPr kumimoji="1" lang="en-US" altLang="zh-CN" sz="2800" dirty="0">
+                <a:latin typeface="微软雅黑" panose="020B0503020204020204" pitchFamily="34" charset="-122"/>
+                <a:ea typeface="Microsoft YaHei" panose="020B0503020204020204" pitchFamily="34" charset="-122"/>
+              </a:rPr>
+              <a:t>Tm</a:t>
+            </a:r>
+            <a:r>
+              <a:rPr kumimoji="1" lang="zh-CN" altLang="en-US" sz="2800" dirty="0">
+                <a:latin typeface="微软雅黑" panose="020B0503020204020204" pitchFamily="34" charset="-122"/>
+                <a:ea typeface="Microsoft YaHei" panose="020B0503020204020204" pitchFamily="34" charset="-122"/>
+              </a:rPr>
+              <a:t>， 其中每一个结合本身又是一棵树，并且称为根的子树</a:t>
+            </a:r>
+            <a:r>
+              <a:rPr kumimoji="1" lang="en-US" altLang="zh-CN" sz="2800" dirty="0">
+                <a:latin typeface="微软雅黑" panose="020B0503020204020204" pitchFamily="34" charset="-122"/>
+                <a:ea typeface="Microsoft YaHei" panose="020B0503020204020204" pitchFamily="34" charset="-122"/>
+              </a:rPr>
+              <a:t>(Subtree)</a:t>
+            </a:r>
+            <a:r>
+              <a:rPr kumimoji="1" lang="zh-CN" altLang="en-US" sz="2800" dirty="0">
+                <a:latin typeface="微软雅黑" panose="020B0503020204020204" pitchFamily="34" charset="-122"/>
+                <a:ea typeface="Microsoft YaHei" panose="020B0503020204020204" pitchFamily="34" charset="-122"/>
+              </a:rPr>
+              <a:t>。</a:t>
             </a:r>
           </a:p>
         </p:txBody>
@@ -4696,8 +5609,8 @@
         </p:nvSpPr>
         <p:spPr>
           <a:xfrm>
-            <a:off x="2054352" y="630545"/>
-            <a:ext cx="8083296" cy="830997"/>
+            <a:off x="976745" y="540327"/>
+            <a:ext cx="10675255" cy="830997"/>
           </a:xfrm>
           <a:prstGeom prst="rect">
             <a:avLst/>
@@ -4712,216 +5625,504 @@
           <a:p>
             <a:pPr algn="ctr"/>
             <a:r>
-              <a:rPr kumimoji="1" lang="en-US" altLang="zh-CN" sz="4800" dirty="0">
-                <a:latin typeface="Microsoft YaHei" panose="020B0503020204020204" pitchFamily="34" charset="-122"/>
-                <a:ea typeface="Microsoft YaHei" panose="020B0503020204020204" pitchFamily="34" charset="-122"/>
-              </a:rPr>
-              <a:t>2.</a:t>
-            </a:r>
-            <a:r>
               <a:rPr kumimoji="1" lang="zh-CN" altLang="en-US" sz="4800" dirty="0">
                 <a:latin typeface="Microsoft YaHei" panose="020B0503020204020204" pitchFamily="34" charset="-122"/>
                 <a:ea typeface="Microsoft YaHei" panose="020B0503020204020204" pitchFamily="34" charset="-122"/>
               </a:rPr>
-              <a:t>串的抽象数据类型</a:t>
-            </a:r>
-          </a:p>
-        </p:txBody>
-      </p:sp>
-      <p:sp>
-        <p:nvSpPr>
-          <p:cNvPr id="8" name="文本框 7">
-            <a:extLst>
-              <a:ext uri="{FF2B5EF4-FFF2-40B4-BE49-F238E27FC236}">
-                <a16:creationId xmlns:a16="http://schemas.microsoft.com/office/drawing/2014/main" id="{75D7D6ED-43A8-DC4B-84B6-AB03F6270117}"/>
-              </a:ext>
-            </a:extLst>
-          </p:cNvPr>
-          <p:cNvSpPr txBox="1"/>
+              <a:t>自然中的树到数据结构中的树的演变</a:t>
+            </a:r>
+          </a:p>
+        </p:txBody>
+      </p:sp>
+      <p:pic>
+        <p:nvPicPr>
+          <p:cNvPr id="5" name="Content Placeholder 3">
+            <a:extLst>
+              <a:ext uri="{FF2B5EF4-FFF2-40B4-BE49-F238E27FC236}">
+                <a16:creationId xmlns:a16="http://schemas.microsoft.com/office/drawing/2014/main" id="{5B93CFB0-E253-8947-A8B2-5751EF03FB3F}"/>
+              </a:ext>
+            </a:extLst>
+          </p:cNvPr>
+          <p:cNvPicPr>
+            <a:picLocks noChangeAspect="1"/>
+          </p:cNvPicPr>
           <p:nvPr/>
-        </p:nvSpPr>
+        </p:nvPicPr>
+        <p:blipFill>
+          <a:blip r:embed="rId3">
+            <a:extLst>
+              <a:ext uri="{28A0092B-C50C-407E-A947-70E740481C1C}">
+                <a14:useLocalDpi xmlns:a14="http://schemas.microsoft.com/office/drawing/2010/main" val="0"/>
+              </a:ext>
+            </a:extLst>
+          </a:blip>
+          <a:stretch>
+            <a:fillRect/>
+          </a:stretch>
+        </p:blipFill>
         <p:spPr>
           <a:xfrm>
-            <a:off x="1610042" y="2575710"/>
-            <a:ext cx="6609588" cy="954107"/>
+            <a:off x="122378" y="2115878"/>
+            <a:ext cx="3270739" cy="2436367"/>
           </a:xfrm>
           <a:prstGeom prst="rect">
             <a:avLst/>
           </a:prstGeom>
-          <a:noFill/>
         </p:spPr>
-        <p:txBody>
-          <a:bodyPr wrap="square" rtlCol="0">
-            <a:spAutoFit/>
-          </a:bodyPr>
-          <a:lstStyle/>
-          <a:p>
-            <a:r>
-              <a:rPr kumimoji="1" lang="zh-CN" altLang="en-US" sz="2800" dirty="0">
-                <a:latin typeface="Microsoft YaHei" panose="020B0503020204020204" pitchFamily="34" charset="-122"/>
-                <a:ea typeface="Microsoft YaHei" panose="020B0503020204020204" pitchFamily="34" charset="-122"/>
-              </a:rPr>
-              <a:t>用一段地址连续的存储单元依次存储线性表的数据元素</a:t>
-            </a:r>
-            <a:endParaRPr kumimoji="1" lang="zh-CN" altLang="en-US" sz="2800" dirty="0">
-              <a:latin typeface="微软雅黑" panose="020B0503020204020204" pitchFamily="34" charset="-122"/>
-              <a:ea typeface="Microsoft YaHei" panose="020B0503020204020204" pitchFamily="34" charset="-122"/>
-            </a:endParaRPr>
-          </a:p>
-        </p:txBody>
-      </p:sp>
-      <p:sp>
-        <p:nvSpPr>
-          <p:cNvPr id="9" name="文本框 8">
-            <a:extLst>
-              <a:ext uri="{FF2B5EF4-FFF2-40B4-BE49-F238E27FC236}">
-                <a16:creationId xmlns:a16="http://schemas.microsoft.com/office/drawing/2014/main" id="{ED9B93DC-5880-9D4B-AD03-2A9ADCF8E4D4}"/>
-              </a:ext>
-            </a:extLst>
-          </p:cNvPr>
-          <p:cNvSpPr txBox="1"/>
+      </p:pic>
+      <p:pic>
+        <p:nvPicPr>
+          <p:cNvPr id="7" name="Content Placeholder 3">
+            <a:extLst>
+              <a:ext uri="{FF2B5EF4-FFF2-40B4-BE49-F238E27FC236}">
+                <a16:creationId xmlns:a16="http://schemas.microsoft.com/office/drawing/2014/main" id="{DC8086C1-28DF-144C-9E99-91FDA6D0EEBA}"/>
+              </a:ext>
+            </a:extLst>
+          </p:cNvPr>
+          <p:cNvPicPr>
+            <a:picLocks noChangeAspect="1"/>
+          </p:cNvPicPr>
           <p:nvPr/>
-        </p:nvSpPr>
+        </p:nvPicPr>
+        <p:blipFill>
+          <a:blip r:embed="rId3">
+            <a:extLst>
+              <a:ext uri="{28A0092B-C50C-407E-A947-70E740481C1C}">
+                <a14:useLocalDpi xmlns:a14="http://schemas.microsoft.com/office/drawing/2010/main" val="0"/>
+              </a:ext>
+            </a:extLst>
+          </a:blip>
+          <a:stretch>
+            <a:fillRect/>
+          </a:stretch>
+        </p:blipFill>
         <p:spPr>
-          <a:xfrm>
-            <a:off x="540000" y="1800000"/>
-            <a:ext cx="1070042" cy="542675"/>
+          <a:xfrm rot="10800000">
+            <a:off x="4223544" y="2115876"/>
+            <a:ext cx="3391781" cy="2436368"/>
           </a:xfrm>
           <a:prstGeom prst="rect">
             <a:avLst/>
           </a:prstGeom>
-          <a:solidFill>
-            <a:schemeClr val="accent2"/>
-          </a:solidFill>
         </p:spPr>
-        <p:txBody>
-          <a:bodyPr wrap="square" rtlCol="0">
-            <a:spAutoFit/>
-          </a:bodyPr>
-          <a:lstStyle/>
-          <a:p>
-            <a:r>
-              <a:rPr kumimoji="1" lang="zh-CN" altLang="en-US" sz="2800" dirty="0">
-                <a:solidFill>
-                  <a:schemeClr val="bg1"/>
-                </a:solidFill>
-                <a:latin typeface="Microsoft YaHei" panose="020B0503020204020204" pitchFamily="34" charset="-122"/>
-                <a:ea typeface="Microsoft YaHei" panose="020B0503020204020204" pitchFamily="34" charset="-122"/>
-              </a:rPr>
-              <a:t>定义</a:t>
-            </a:r>
-          </a:p>
-        </p:txBody>
-      </p:sp>
-      <p:sp>
-        <p:nvSpPr>
-          <p:cNvPr id="10" name="文本框 9">
-            <a:extLst>
-              <a:ext uri="{FF2B5EF4-FFF2-40B4-BE49-F238E27FC236}">
-                <a16:creationId xmlns:a16="http://schemas.microsoft.com/office/drawing/2014/main" id="{5732DAF2-E38B-774A-9902-B765D16F0ED3}"/>
-              </a:ext>
-            </a:extLst>
-          </p:cNvPr>
-          <p:cNvSpPr txBox="1"/>
+      </p:pic>
+      <p:sp>
+        <p:nvSpPr>
+          <p:cNvPr id="8" name="右箭头 7">
+            <a:extLst>
+              <a:ext uri="{FF2B5EF4-FFF2-40B4-BE49-F238E27FC236}">
+                <a16:creationId xmlns:a16="http://schemas.microsoft.com/office/drawing/2014/main" id="{E0C6A14A-66F5-5345-9EB5-DB6813EC9F87}"/>
+              </a:ext>
+            </a:extLst>
+          </p:cNvPr>
+          <p:cNvSpPr/>
           <p:nvPr/>
         </p:nvSpPr>
         <p:spPr>
           <a:xfrm>
-            <a:off x="540000" y="3960000"/>
-            <a:ext cx="1070042" cy="542675"/>
+            <a:off x="3533870" y="3051544"/>
+            <a:ext cx="563526" cy="563526"/>
+          </a:xfrm>
+          <a:prstGeom prst="rightArrow">
+            <a:avLst/>
+          </a:prstGeom>
+          <a:solidFill>
+            <a:srgbClr val="009999"/>
+          </a:solidFill>
+          <a:ln>
+            <a:solidFill>
+              <a:srgbClr val="009999"/>
+            </a:solidFill>
+          </a:ln>
+        </p:spPr>
+        <p:style>
+          <a:lnRef idx="2">
+            <a:schemeClr val="accent1">
+              <a:shade val="50000"/>
+            </a:schemeClr>
+          </a:lnRef>
+          <a:fillRef idx="1">
+            <a:schemeClr val="accent1"/>
+          </a:fillRef>
+          <a:effectRef idx="0">
+            <a:schemeClr val="accent1"/>
+          </a:effectRef>
+          <a:fontRef idx="minor">
+            <a:schemeClr val="lt1"/>
+          </a:fontRef>
+        </p:style>
+        <p:txBody>
+          <a:bodyPr rtlCol="0" anchor="ctr"/>
+          <a:lstStyle/>
+          <a:p>
+            <a:pPr algn="ctr"/>
+            <a:endParaRPr lang="zh-CN" altLang="en-US"/>
+          </a:p>
+        </p:txBody>
+      </p:sp>
+      <p:sp>
+        <p:nvSpPr>
+          <p:cNvPr id="10" name="右箭头 9">
+            <a:extLst>
+              <a:ext uri="{FF2B5EF4-FFF2-40B4-BE49-F238E27FC236}">
+                <a16:creationId xmlns:a16="http://schemas.microsoft.com/office/drawing/2014/main" id="{600517AC-15A2-9C45-81DA-086CE3B2DD0C}"/>
+              </a:ext>
+            </a:extLst>
+          </p:cNvPr>
+          <p:cNvSpPr/>
+          <p:nvPr/>
+        </p:nvSpPr>
+        <p:spPr>
+          <a:xfrm>
+            <a:off x="7741948" y="3051544"/>
+            <a:ext cx="563526" cy="563526"/>
+          </a:xfrm>
+          <a:prstGeom prst="rightArrow">
+            <a:avLst/>
+          </a:prstGeom>
+          <a:solidFill>
+            <a:srgbClr val="009999"/>
+          </a:solidFill>
+          <a:ln>
+            <a:solidFill>
+              <a:srgbClr val="009999"/>
+            </a:solidFill>
+          </a:ln>
+        </p:spPr>
+        <p:style>
+          <a:lnRef idx="2">
+            <a:schemeClr val="accent1">
+              <a:shade val="50000"/>
+            </a:schemeClr>
+          </a:lnRef>
+          <a:fillRef idx="1">
+            <a:schemeClr val="accent1"/>
+          </a:fillRef>
+          <a:effectRef idx="0">
+            <a:schemeClr val="accent1"/>
+          </a:effectRef>
+          <a:fontRef idx="minor">
+            <a:schemeClr val="lt1"/>
+          </a:fontRef>
+        </p:style>
+        <p:txBody>
+          <a:bodyPr rtlCol="0" anchor="ctr"/>
+          <a:lstStyle/>
+          <a:p>
+            <a:pPr algn="ctr"/>
+            <a:endParaRPr lang="zh-CN" altLang="en-US"/>
+          </a:p>
+        </p:txBody>
+      </p:sp>
+      <p:pic>
+        <p:nvPicPr>
+          <p:cNvPr id="11" name="Content Placeholder 3">
+            <a:extLst>
+              <a:ext uri="{FF2B5EF4-FFF2-40B4-BE49-F238E27FC236}">
+                <a16:creationId xmlns:a16="http://schemas.microsoft.com/office/drawing/2014/main" id="{380BA67C-D743-0743-A11F-F171622E67F6}"/>
+              </a:ext>
+            </a:extLst>
+          </p:cNvPr>
+          <p:cNvPicPr>
+            <a:picLocks noChangeAspect="1"/>
+          </p:cNvPicPr>
+          <p:nvPr/>
+        </p:nvPicPr>
+        <p:blipFill>
+          <a:blip r:embed="rId4">
+            <a:extLst>
+              <a:ext uri="{28A0092B-C50C-407E-A947-70E740481C1C}">
+                <a14:useLocalDpi xmlns:a14="http://schemas.microsoft.com/office/drawing/2010/main" val="0"/>
+              </a:ext>
+            </a:extLst>
+          </a:blip>
+          <a:stretch>
+            <a:fillRect/>
+          </a:stretch>
+        </p:blipFill>
+        <p:spPr>
+          <a:xfrm>
+            <a:off x="8319525" y="2151846"/>
+            <a:ext cx="3872475" cy="2400397"/>
           </a:xfrm>
           <a:prstGeom prst="rect">
             <a:avLst/>
           </a:prstGeom>
-          <a:solidFill>
-            <a:schemeClr val="accent2"/>
-          </a:solidFill>
         </p:spPr>
-        <p:txBody>
-          <a:bodyPr wrap="square" rtlCol="0">
-            <a:spAutoFit/>
-          </a:bodyPr>
-          <a:lstStyle/>
-          <a:p>
-            <a:r>
-              <a:rPr kumimoji="1" lang="zh-CN" altLang="en-US" sz="2800" dirty="0">
-                <a:solidFill>
-                  <a:schemeClr val="bg1"/>
-                </a:solidFill>
-                <a:latin typeface="Microsoft YaHei" panose="020B0503020204020204" pitchFamily="34" charset="-122"/>
-                <a:ea typeface="Microsoft YaHei" panose="020B0503020204020204" pitchFamily="34" charset="-122"/>
-              </a:rPr>
-              <a:t>例子</a:t>
-            </a:r>
-          </a:p>
-        </p:txBody>
-      </p:sp>
-      <p:sp>
-        <p:nvSpPr>
-          <p:cNvPr id="11" name="文本框 10">
-            <a:extLst>
-              <a:ext uri="{FF2B5EF4-FFF2-40B4-BE49-F238E27FC236}">
-                <a16:creationId xmlns:a16="http://schemas.microsoft.com/office/drawing/2014/main" id="{EEAB9724-EED2-8C47-965D-0BB8BCC390D8}"/>
-              </a:ext>
-            </a:extLst>
-          </p:cNvPr>
-          <p:cNvSpPr txBox="1"/>
-          <p:nvPr/>
-        </p:nvSpPr>
-        <p:spPr>
-          <a:xfrm>
-            <a:off x="1610042" y="4932858"/>
-            <a:ext cx="6609588" cy="523220"/>
-          </a:xfrm>
-          <a:prstGeom prst="rect">
-            <a:avLst/>
-          </a:prstGeom>
-          <a:noFill/>
-        </p:spPr>
-        <p:txBody>
-          <a:bodyPr wrap="square" rtlCol="0">
-            <a:spAutoFit/>
-          </a:bodyPr>
-          <a:lstStyle/>
-          <a:p>
-            <a:r>
-              <a:rPr kumimoji="1" lang="zh-CN" altLang="en-US" sz="2800" dirty="0">
-                <a:latin typeface="Microsoft YaHei" panose="020B0503020204020204" pitchFamily="34" charset="-122"/>
-                <a:ea typeface="Microsoft YaHei" panose="020B0503020204020204" pitchFamily="34" charset="-122"/>
-              </a:rPr>
-              <a:t>宿舍</a:t>
-            </a:r>
-            <a:r>
-              <a:rPr kumimoji="1" lang="en-US" altLang="zh-CN" sz="2800" dirty="0">
-                <a:latin typeface="Microsoft YaHei" panose="020B0503020204020204" pitchFamily="34" charset="-122"/>
-                <a:ea typeface="Microsoft YaHei" panose="020B0503020204020204" pitchFamily="34" charset="-122"/>
-              </a:rPr>
-              <a:t>/</a:t>
-            </a:r>
-            <a:r>
-              <a:rPr kumimoji="1" lang="zh-CN" altLang="en-US" sz="2800" dirty="0">
-                <a:latin typeface="Microsoft YaHei" panose="020B0503020204020204" pitchFamily="34" charset="-122"/>
-                <a:ea typeface="Microsoft YaHei" panose="020B0503020204020204" pitchFamily="34" charset="-122"/>
-              </a:rPr>
-              <a:t>教室 分布</a:t>
-            </a:r>
-            <a:endParaRPr kumimoji="1" lang="zh-CN" altLang="en-US" sz="2800" dirty="0">
-              <a:latin typeface="微软雅黑" panose="020B0503020204020204" pitchFamily="34" charset="-122"/>
-              <a:ea typeface="Microsoft YaHei" panose="020B0503020204020204" pitchFamily="34" charset="-122"/>
-            </a:endParaRPr>
-          </a:p>
-        </p:txBody>
-      </p:sp>
+      </p:pic>
     </p:spTree>
     <p:extLst>
       <p:ext uri="{BB962C8B-B14F-4D97-AF65-F5344CB8AC3E}">
-        <p14:creationId xmlns:p14="http://schemas.microsoft.com/office/powerpoint/2010/main" val="1022283620"/>
+        <p14:creationId xmlns:p14="http://schemas.microsoft.com/office/powerpoint/2010/main" val="2058491507"/>
       </p:ext>
     </p:extLst>
   </p:cSld>
   <p:clrMapOvr>
     <a:masterClrMapping/>
   </p:clrMapOvr>
+  <p:timing>
+    <p:tnLst>
+      <p:par>
+        <p:cTn id="1" dur="indefinite" restart="never" nodeType="tmRoot">
+          <p:childTnLst>
+            <p:seq concurrent="1" nextAc="seek">
+              <p:cTn id="2" dur="indefinite" nodeType="mainSeq">
+                <p:childTnLst>
+                  <p:par>
+                    <p:cTn id="3" fill="hold">
+                      <p:stCondLst>
+                        <p:cond delay="indefinite"/>
+                      </p:stCondLst>
+                      <p:childTnLst>
+                        <p:par>
+                          <p:cTn id="4" fill="hold">
+                            <p:stCondLst>
+                              <p:cond delay="0"/>
+                            </p:stCondLst>
+                            <p:childTnLst>
+                              <p:par>
+                                <p:cTn id="5" presetID="3" presetClass="entr" presetSubtype="10" fill="hold" nodeType="clickEffect">
+                                  <p:stCondLst>
+                                    <p:cond delay="0"/>
+                                  </p:stCondLst>
+                                  <p:childTnLst>
+                                    <p:set>
+                                      <p:cBhvr>
+                                        <p:cTn id="6" dur="1" fill="hold">
+                                          <p:stCondLst>
+                                            <p:cond delay="0"/>
+                                          </p:stCondLst>
+                                        </p:cTn>
+                                        <p:tgtEl>
+                                          <p:spTgt spid="5"/>
+                                        </p:tgtEl>
+                                        <p:attrNameLst>
+                                          <p:attrName>style.visibility</p:attrName>
+                                        </p:attrNameLst>
+                                      </p:cBhvr>
+                                      <p:to>
+                                        <p:strVal val="visible"/>
+                                      </p:to>
+                                    </p:set>
+                                    <p:animEffect transition="in" filter="blinds(horizontal)">
+                                      <p:cBhvr>
+                                        <p:cTn id="7" dur="500"/>
+                                        <p:tgtEl>
+                                          <p:spTgt spid="5"/>
+                                        </p:tgtEl>
+                                      </p:cBhvr>
+                                    </p:animEffect>
+                                  </p:childTnLst>
+                                </p:cTn>
+                              </p:par>
+                            </p:childTnLst>
+                          </p:cTn>
+                        </p:par>
+                      </p:childTnLst>
+                    </p:cTn>
+                  </p:par>
+                  <p:par>
+                    <p:cTn id="8" fill="hold">
+                      <p:stCondLst>
+                        <p:cond delay="indefinite"/>
+                      </p:stCondLst>
+                      <p:childTnLst>
+                        <p:par>
+                          <p:cTn id="9" fill="hold">
+                            <p:stCondLst>
+                              <p:cond delay="0"/>
+                            </p:stCondLst>
+                            <p:childTnLst>
+                              <p:par>
+                                <p:cTn id="10" presetID="3" presetClass="entr" presetSubtype="10" fill="hold" grpId="0" nodeType="clickEffect">
+                                  <p:stCondLst>
+                                    <p:cond delay="0"/>
+                                  </p:stCondLst>
+                                  <p:childTnLst>
+                                    <p:set>
+                                      <p:cBhvr>
+                                        <p:cTn id="11" dur="1" fill="hold">
+                                          <p:stCondLst>
+                                            <p:cond delay="0"/>
+                                          </p:stCondLst>
+                                        </p:cTn>
+                                        <p:tgtEl>
+                                          <p:spTgt spid="8"/>
+                                        </p:tgtEl>
+                                        <p:attrNameLst>
+                                          <p:attrName>style.visibility</p:attrName>
+                                        </p:attrNameLst>
+                                      </p:cBhvr>
+                                      <p:to>
+                                        <p:strVal val="visible"/>
+                                      </p:to>
+                                    </p:set>
+                                    <p:animEffect transition="in" filter="blinds(horizontal)">
+                                      <p:cBhvr>
+                                        <p:cTn id="12" dur="500"/>
+                                        <p:tgtEl>
+                                          <p:spTgt spid="8"/>
+                                        </p:tgtEl>
+                                      </p:cBhvr>
+                                    </p:animEffect>
+                                  </p:childTnLst>
+                                </p:cTn>
+                              </p:par>
+                              <p:par>
+                                <p:cTn id="13" presetID="3" presetClass="entr" presetSubtype="10" fill="hold" nodeType="withEffect">
+                                  <p:stCondLst>
+                                    <p:cond delay="0"/>
+                                  </p:stCondLst>
+                                  <p:childTnLst>
+                                    <p:set>
+                                      <p:cBhvr>
+                                        <p:cTn id="14" dur="1" fill="hold">
+                                          <p:stCondLst>
+                                            <p:cond delay="0"/>
+                                          </p:stCondLst>
+                                        </p:cTn>
+                                        <p:tgtEl>
+                                          <p:spTgt spid="7"/>
+                                        </p:tgtEl>
+                                        <p:attrNameLst>
+                                          <p:attrName>style.visibility</p:attrName>
+                                        </p:attrNameLst>
+                                      </p:cBhvr>
+                                      <p:to>
+                                        <p:strVal val="visible"/>
+                                      </p:to>
+                                    </p:set>
+                                    <p:animEffect transition="in" filter="blinds(horizontal)">
+                                      <p:cBhvr>
+                                        <p:cTn id="15" dur="500"/>
+                                        <p:tgtEl>
+                                          <p:spTgt spid="7"/>
+                                        </p:tgtEl>
+                                      </p:cBhvr>
+                                    </p:animEffect>
+                                  </p:childTnLst>
+                                </p:cTn>
+                              </p:par>
+                            </p:childTnLst>
+                          </p:cTn>
+                        </p:par>
+                      </p:childTnLst>
+                    </p:cTn>
+                  </p:par>
+                  <p:par>
+                    <p:cTn id="16" fill="hold">
+                      <p:stCondLst>
+                        <p:cond delay="indefinite"/>
+                      </p:stCondLst>
+                      <p:childTnLst>
+                        <p:par>
+                          <p:cTn id="17" fill="hold">
+                            <p:stCondLst>
+                              <p:cond delay="0"/>
+                            </p:stCondLst>
+                            <p:childTnLst>
+                              <p:par>
+                                <p:cTn id="18" presetID="3" presetClass="entr" presetSubtype="10" fill="hold" grpId="0" nodeType="clickEffect">
+                                  <p:stCondLst>
+                                    <p:cond delay="0"/>
+                                  </p:stCondLst>
+                                  <p:childTnLst>
+                                    <p:set>
+                                      <p:cBhvr>
+                                        <p:cTn id="19" dur="1" fill="hold">
+                                          <p:stCondLst>
+                                            <p:cond delay="0"/>
+                                          </p:stCondLst>
+                                        </p:cTn>
+                                        <p:tgtEl>
+                                          <p:spTgt spid="10"/>
+                                        </p:tgtEl>
+                                        <p:attrNameLst>
+                                          <p:attrName>style.visibility</p:attrName>
+                                        </p:attrNameLst>
+                                      </p:cBhvr>
+                                      <p:to>
+                                        <p:strVal val="visible"/>
+                                      </p:to>
+                                    </p:set>
+                                    <p:animEffect transition="in" filter="blinds(horizontal)">
+                                      <p:cBhvr>
+                                        <p:cTn id="20" dur="500"/>
+                                        <p:tgtEl>
+                                          <p:spTgt spid="10"/>
+                                        </p:tgtEl>
+                                      </p:cBhvr>
+                                    </p:animEffect>
+                                  </p:childTnLst>
+                                </p:cTn>
+                              </p:par>
+                              <p:par>
+                                <p:cTn id="21" presetID="3" presetClass="entr" presetSubtype="10" fill="hold" nodeType="withEffect">
+                                  <p:stCondLst>
+                                    <p:cond delay="0"/>
+                                  </p:stCondLst>
+                                  <p:childTnLst>
+                                    <p:set>
+                                      <p:cBhvr>
+                                        <p:cTn id="22" dur="1" fill="hold">
+                                          <p:stCondLst>
+                                            <p:cond delay="0"/>
+                                          </p:stCondLst>
+                                        </p:cTn>
+                                        <p:tgtEl>
+                                          <p:spTgt spid="11"/>
+                                        </p:tgtEl>
+                                        <p:attrNameLst>
+                                          <p:attrName>style.visibility</p:attrName>
+                                        </p:attrNameLst>
+                                      </p:cBhvr>
+                                      <p:to>
+                                        <p:strVal val="visible"/>
+                                      </p:to>
+                                    </p:set>
+                                    <p:animEffect transition="in" filter="blinds(horizontal)">
+                                      <p:cBhvr>
+                                        <p:cTn id="23" dur="500"/>
+                                        <p:tgtEl>
+                                          <p:spTgt spid="11"/>
+                                        </p:tgtEl>
+                                      </p:cBhvr>
+                                    </p:animEffect>
+                                  </p:childTnLst>
+                                </p:cTn>
+                              </p:par>
+                            </p:childTnLst>
+                          </p:cTn>
+                        </p:par>
+                      </p:childTnLst>
+                    </p:cTn>
+                  </p:par>
+                </p:childTnLst>
+              </p:cTn>
+              <p:prevCondLst>
+                <p:cond evt="onPrev" delay="0">
+                  <p:tgtEl>
+                    <p:sldTgt/>
+                  </p:tgtEl>
+                </p:cond>
+              </p:prevCondLst>
+              <p:nextCondLst>
+                <p:cond evt="onNext" delay="0">
+                  <p:tgtEl>
+                    <p:sldTgt/>
+                  </p:tgtEl>
+                </p:cond>
+              </p:nextCondLst>
+            </p:seq>
+          </p:childTnLst>
+        </p:cTn>
+      </p:par>
+    </p:tnLst>
+    <p:bldLst>
+      <p:bldP spid="8" grpId="0" animBg="1"/>
+      <p:bldP spid="10" grpId="0" animBg="1"/>
+    </p:bldLst>
+  </p:timing>
 </p:sld>
 </file>
 
@@ -4965,7 +6166,7 @@
         </p:nvSpPr>
         <p:spPr>
           <a:xfrm>
-            <a:off x="2054352" y="630545"/>
+            <a:off x="2054352" y="751877"/>
             <a:ext cx="8083296" cy="830997"/>
           </a:xfrm>
           <a:prstGeom prst="rect">
@@ -4981,28 +6182,57 @@
           <a:p>
             <a:pPr algn="ctr"/>
             <a:r>
-              <a:rPr kumimoji="1" lang="en-US" altLang="zh-CN" sz="4800" dirty="0">
-                <a:latin typeface="Microsoft YaHei" panose="020B0503020204020204" pitchFamily="34" charset="-122"/>
-                <a:ea typeface="Microsoft YaHei" panose="020B0503020204020204" pitchFamily="34" charset="-122"/>
-              </a:rPr>
-              <a:t>3.</a:t>
-            </a:r>
-            <a:r>
               <a:rPr kumimoji="1" lang="zh-CN" altLang="en-US" sz="4800" dirty="0">
                 <a:latin typeface="Microsoft YaHei" panose="020B0503020204020204" pitchFamily="34" charset="-122"/>
                 <a:ea typeface="Microsoft YaHei" panose="020B0503020204020204" pitchFamily="34" charset="-122"/>
               </a:rPr>
-              <a:t>队列的顺序存储和链式存储。</a:t>
-            </a:r>
-          </a:p>
-        </p:txBody>
-      </p:sp>
-      <p:sp>
-        <p:nvSpPr>
-          <p:cNvPr id="8" name="文本框 7">
-            <a:extLst>
-              <a:ext uri="{FF2B5EF4-FFF2-40B4-BE49-F238E27FC236}">
-                <a16:creationId xmlns:a16="http://schemas.microsoft.com/office/drawing/2014/main" id="{75D7D6ED-43A8-DC4B-84B6-AB03F6270117}"/>
+              <a:t>数据结构中的树</a:t>
+            </a:r>
+          </a:p>
+        </p:txBody>
+      </p:sp>
+      <p:pic>
+        <p:nvPicPr>
+          <p:cNvPr id="5" name="Content Placeholder 3">
+            <a:extLst>
+              <a:ext uri="{FF2B5EF4-FFF2-40B4-BE49-F238E27FC236}">
+                <a16:creationId xmlns:a16="http://schemas.microsoft.com/office/drawing/2014/main" id="{4F522190-B1AD-E24F-9333-3244050672D9}"/>
+              </a:ext>
+            </a:extLst>
+          </p:cNvPr>
+          <p:cNvPicPr>
+            <a:picLocks noChangeAspect="1"/>
+          </p:cNvPicPr>
+          <p:nvPr/>
+        </p:nvPicPr>
+        <p:blipFill>
+          <a:blip r:embed="rId3">
+            <a:extLst>
+              <a:ext uri="{28A0092B-C50C-407E-A947-70E740481C1C}">
+                <a14:useLocalDpi xmlns:a14="http://schemas.microsoft.com/office/drawing/2010/main" val="0"/>
+              </a:ext>
+            </a:extLst>
+          </a:blip>
+          <a:stretch>
+            <a:fillRect/>
+          </a:stretch>
+        </p:blipFill>
+        <p:spPr>
+          <a:xfrm>
+            <a:off x="6518034" y="3425137"/>
+            <a:ext cx="4641934" cy="2877355"/>
+          </a:xfrm>
+          <a:prstGeom prst="rect">
+            <a:avLst/>
+          </a:prstGeom>
+        </p:spPr>
+      </p:pic>
+      <p:sp>
+        <p:nvSpPr>
+          <p:cNvPr id="7" name="文本框 6">
+            <a:extLst>
+              <a:ext uri="{FF2B5EF4-FFF2-40B4-BE49-F238E27FC236}">
+                <a16:creationId xmlns:a16="http://schemas.microsoft.com/office/drawing/2014/main" id="{7065DF77-3956-FB45-8ADF-E82CBA1C2FD9}"/>
               </a:ext>
             </a:extLst>
           </p:cNvPr>
@@ -5011,8 +6241,8 @@
         </p:nvSpPr>
         <p:spPr>
           <a:xfrm>
-            <a:off x="1610041" y="2576591"/>
-            <a:ext cx="9873121" cy="954107"/>
+            <a:off x="1226127" y="1883676"/>
+            <a:ext cx="4869873" cy="1200329"/>
           </a:xfrm>
           <a:prstGeom prst="rect">
             <a:avLst/>
@@ -5025,106 +6255,70 @@
           </a:bodyPr>
           <a:lstStyle/>
           <a:p>
-            <a:r>
-              <a:rPr kumimoji="1" lang="zh-CN" altLang="en-US" sz="2800" dirty="0">
-                <a:latin typeface="微软雅黑" panose="020B0503020204020204" pitchFamily="34" charset="-122"/>
-                <a:ea typeface="Microsoft YaHei" panose="020B0503020204020204" pitchFamily="34" charset="-122"/>
-              </a:rPr>
-              <a:t>每个数据单元不止有数据，还包含指向下一个数据地址的信息，由此数据单元串联起来的方式叫链式存储</a:t>
-            </a:r>
-          </a:p>
-        </p:txBody>
-      </p:sp>
-      <p:sp>
-        <p:nvSpPr>
-          <p:cNvPr id="9" name="文本框 8">
-            <a:extLst>
-              <a:ext uri="{FF2B5EF4-FFF2-40B4-BE49-F238E27FC236}">
-                <a16:creationId xmlns:a16="http://schemas.microsoft.com/office/drawing/2014/main" id="{ED9B93DC-5880-9D4B-AD03-2A9ADCF8E4D4}"/>
-              </a:ext>
-            </a:extLst>
-          </p:cNvPr>
-          <p:cNvSpPr txBox="1"/>
+            <a:pPr marL="342900" indent="-342900">
+              <a:buAutoNum type="arabicPeriod"/>
+            </a:pPr>
+            <a:r>
+              <a:rPr kumimoji="1" lang="zh-CN" altLang="en-US" sz="2400" dirty="0"/>
+              <a:t>空树</a:t>
+            </a:r>
+            <a:endParaRPr kumimoji="1" lang="en-US" altLang="zh-CN" sz="2400" dirty="0"/>
+          </a:p>
+          <a:p>
+            <a:pPr marL="342900" indent="-342900">
+              <a:buAutoNum type="arabicPeriod"/>
+            </a:pPr>
+            <a:r>
+              <a:rPr kumimoji="1" lang="zh-CN" altLang="en-US" sz="2400" dirty="0"/>
+              <a:t>只有根节点的树</a:t>
+            </a:r>
+            <a:endParaRPr kumimoji="1" lang="en-US" altLang="zh-CN" sz="2400" dirty="0"/>
+          </a:p>
+          <a:p>
+            <a:pPr marL="342900" indent="-342900">
+              <a:buAutoNum type="arabicPeriod"/>
+            </a:pPr>
+            <a:r>
+              <a:rPr kumimoji="1" lang="zh-CN" altLang="en-US" sz="2400" dirty="0"/>
+              <a:t>多节点的树</a:t>
+            </a:r>
+          </a:p>
+        </p:txBody>
+      </p:sp>
+      <p:pic>
+        <p:nvPicPr>
+          <p:cNvPr id="8" name="图片 7">
+            <a:extLst>
+              <a:ext uri="{FF2B5EF4-FFF2-40B4-BE49-F238E27FC236}">
+                <a16:creationId xmlns:a16="http://schemas.microsoft.com/office/drawing/2014/main" id="{EF725B19-1C49-6645-9835-4014D50A931D}"/>
+              </a:ext>
+            </a:extLst>
+          </p:cNvPr>
+          <p:cNvPicPr>
+            <a:picLocks noChangeAspect="1"/>
+          </p:cNvPicPr>
           <p:nvPr/>
-        </p:nvSpPr>
+        </p:nvPicPr>
+        <p:blipFill>
+          <a:blip r:embed="rId4"/>
+          <a:stretch>
+            <a:fillRect/>
+          </a:stretch>
+        </p:blipFill>
         <p:spPr>
           <a:xfrm>
-            <a:off x="540000" y="1800000"/>
-            <a:ext cx="1070042" cy="542675"/>
+            <a:off x="1032032" y="3598899"/>
+            <a:ext cx="4877616" cy="2703593"/>
           </a:xfrm>
           <a:prstGeom prst="rect">
             <a:avLst/>
           </a:prstGeom>
-          <a:solidFill>
-            <a:schemeClr val="accent2"/>
-          </a:solidFill>
         </p:spPr>
-        <p:txBody>
-          <a:bodyPr wrap="square" rtlCol="0">
-            <a:spAutoFit/>
-          </a:bodyPr>
-          <a:lstStyle/>
-          <a:p>
-            <a:r>
-              <a:rPr kumimoji="1" lang="zh-CN" altLang="en-US" sz="2800" dirty="0">
-                <a:solidFill>
-                  <a:schemeClr val="bg1"/>
-                </a:solidFill>
-                <a:latin typeface="Microsoft YaHei" panose="020B0503020204020204" pitchFamily="34" charset="-122"/>
-                <a:ea typeface="Microsoft YaHei" panose="020B0503020204020204" pitchFamily="34" charset="-122"/>
-              </a:rPr>
-              <a:t>定义</a:t>
-            </a:r>
-          </a:p>
-        </p:txBody>
-      </p:sp>
-      <p:sp>
-        <p:nvSpPr>
-          <p:cNvPr id="10" name="文本框 9">
-            <a:extLst>
-              <a:ext uri="{FF2B5EF4-FFF2-40B4-BE49-F238E27FC236}">
-                <a16:creationId xmlns:a16="http://schemas.microsoft.com/office/drawing/2014/main" id="{5732DAF2-E38B-774A-9902-B765D16F0ED3}"/>
-              </a:ext>
-            </a:extLst>
-          </p:cNvPr>
-          <p:cNvSpPr txBox="1"/>
-          <p:nvPr/>
-        </p:nvSpPr>
-        <p:spPr>
-          <a:xfrm>
-            <a:off x="540000" y="3960000"/>
-            <a:ext cx="1070042" cy="542675"/>
-          </a:xfrm>
-          <a:prstGeom prst="rect">
-            <a:avLst/>
-          </a:prstGeom>
-          <a:solidFill>
-            <a:schemeClr val="accent2"/>
-          </a:solidFill>
-        </p:spPr>
-        <p:txBody>
-          <a:bodyPr wrap="square" rtlCol="0">
-            <a:spAutoFit/>
-          </a:bodyPr>
-          <a:lstStyle/>
-          <a:p>
-            <a:r>
-              <a:rPr kumimoji="1" lang="zh-CN" altLang="en-US" sz="2800" dirty="0">
-                <a:solidFill>
-                  <a:schemeClr val="bg1"/>
-                </a:solidFill>
-                <a:latin typeface="Microsoft YaHei" panose="020B0503020204020204" pitchFamily="34" charset="-122"/>
-                <a:ea typeface="Microsoft YaHei" panose="020B0503020204020204" pitchFamily="34" charset="-122"/>
-              </a:rPr>
-              <a:t>例子</a:t>
-            </a:r>
-          </a:p>
-        </p:txBody>
-      </p:sp>
+      </p:pic>
     </p:spTree>
     <p:extLst>
       <p:ext uri="{BB962C8B-B14F-4D97-AF65-F5344CB8AC3E}">
-        <p14:creationId xmlns:p14="http://schemas.microsoft.com/office/powerpoint/2010/main" val="2691737872"/>
+        <p14:creationId xmlns:p14="http://schemas.microsoft.com/office/powerpoint/2010/main" val="3047678730"/>
       </p:ext>
     </p:extLst>
   </p:cSld>
@@ -5174,7 +6368,7 @@
         </p:nvSpPr>
         <p:spPr>
           <a:xfrm>
-            <a:off x="2054352" y="655874"/>
+            <a:off x="2054352" y="751877"/>
             <a:ext cx="8083296" cy="830997"/>
           </a:xfrm>
           <a:prstGeom prst="rect">
@@ -5190,32 +6384,409 @@
           <a:p>
             <a:pPr algn="ctr"/>
             <a:r>
-              <a:rPr kumimoji="1" lang="en-US" altLang="zh-CN" sz="4800" dirty="0">
-                <a:latin typeface="Microsoft YaHei" panose="020B0503020204020204" pitchFamily="34" charset="-122"/>
-                <a:ea typeface="Microsoft YaHei" panose="020B0503020204020204" pitchFamily="34" charset="-122"/>
-              </a:rPr>
-              <a:t>4.</a:t>
-            </a:r>
-            <a:r>
               <a:rPr kumimoji="1" lang="zh-CN" altLang="en-US" sz="4800" dirty="0">
                 <a:latin typeface="Microsoft YaHei" panose="020B0503020204020204" pitchFamily="34" charset="-122"/>
                 <a:ea typeface="Microsoft YaHei" panose="020B0503020204020204" pitchFamily="34" charset="-122"/>
               </a:rPr>
-              <a:t>朴素模式匹配算法</a:t>
-            </a:r>
-          </a:p>
-        </p:txBody>
-      </p:sp>
+              <a:t>哪些是树，哪些不是树</a:t>
+            </a:r>
+          </a:p>
+        </p:txBody>
+      </p:sp>
+      <p:pic>
+        <p:nvPicPr>
+          <p:cNvPr id="6" name="图片 5">
+            <a:extLst>
+              <a:ext uri="{FF2B5EF4-FFF2-40B4-BE49-F238E27FC236}">
+                <a16:creationId xmlns:a16="http://schemas.microsoft.com/office/drawing/2014/main" id="{7EF82B9F-3CF0-EC46-82BB-B8C801756DE8}"/>
+              </a:ext>
+            </a:extLst>
+          </p:cNvPr>
+          <p:cNvPicPr>
+            <a:picLocks noChangeAspect="1"/>
+          </p:cNvPicPr>
+          <p:nvPr/>
+        </p:nvPicPr>
+        <p:blipFill>
+          <a:blip r:embed="rId3"/>
+          <a:stretch>
+            <a:fillRect/>
+          </a:stretch>
+        </p:blipFill>
+        <p:spPr>
+          <a:xfrm>
+            <a:off x="527050" y="2163041"/>
+            <a:ext cx="11137900" cy="3238500"/>
+          </a:xfrm>
+          <a:prstGeom prst="rect">
+            <a:avLst/>
+          </a:prstGeom>
+        </p:spPr>
+      </p:pic>
+      <p:pic>
+        <p:nvPicPr>
+          <p:cNvPr id="9" name="图形 8" descr="复选标记">
+            <a:extLst>
+              <a:ext uri="{FF2B5EF4-FFF2-40B4-BE49-F238E27FC236}">
+                <a16:creationId xmlns:a16="http://schemas.microsoft.com/office/drawing/2014/main" id="{BE6A9162-0A84-094C-B0F8-F9D3945AF692}"/>
+              </a:ext>
+            </a:extLst>
+          </p:cNvPr>
+          <p:cNvPicPr>
+            <a:picLocks noChangeAspect="1"/>
+          </p:cNvPicPr>
+          <p:nvPr/>
+        </p:nvPicPr>
+        <p:blipFill>
+          <a:blip r:embed="rId4">
+            <a:extLst>
+              <a:ext uri="{96DAC541-7B7A-43D3-8B79-37D633B846F1}">
+                <asvg:svgBlip xmlns:asvg="http://schemas.microsoft.com/office/drawing/2016/SVG/main" r:embed="rId5"/>
+              </a:ext>
+            </a:extLst>
+          </a:blip>
+          <a:stretch>
+            <a:fillRect/>
+          </a:stretch>
+        </p:blipFill>
+        <p:spPr>
+          <a:xfrm>
+            <a:off x="1126097" y="5644183"/>
+            <a:ext cx="914400" cy="914400"/>
+          </a:xfrm>
+          <a:prstGeom prst="rect">
+            <a:avLst/>
+          </a:prstGeom>
+        </p:spPr>
+      </p:pic>
+      <p:pic>
+        <p:nvPicPr>
+          <p:cNvPr id="11" name="图形 10" descr="关闭">
+            <a:extLst>
+              <a:ext uri="{FF2B5EF4-FFF2-40B4-BE49-F238E27FC236}">
+                <a16:creationId xmlns:a16="http://schemas.microsoft.com/office/drawing/2014/main" id="{9B881150-AB12-874D-812F-867418A3C38B}"/>
+              </a:ext>
+            </a:extLst>
+          </p:cNvPr>
+          <p:cNvPicPr>
+            <a:picLocks noChangeAspect="1"/>
+          </p:cNvPicPr>
+          <p:nvPr/>
+        </p:nvPicPr>
+        <p:blipFill>
+          <a:blip r:embed="rId6">
+            <a:extLst>
+              <a:ext uri="{96DAC541-7B7A-43D3-8B79-37D633B846F1}">
+                <asvg:svgBlip xmlns:asvg="http://schemas.microsoft.com/office/drawing/2016/SVG/main" r:embed="rId7"/>
+              </a:ext>
+            </a:extLst>
+          </a:blip>
+          <a:stretch>
+            <a:fillRect/>
+          </a:stretch>
+        </p:blipFill>
+        <p:spPr>
+          <a:xfrm>
+            <a:off x="4602479" y="5644183"/>
+            <a:ext cx="914400" cy="914400"/>
+          </a:xfrm>
+          <a:prstGeom prst="rect">
+            <a:avLst/>
+          </a:prstGeom>
+        </p:spPr>
+      </p:pic>
+      <p:pic>
+        <p:nvPicPr>
+          <p:cNvPr id="12" name="图形 11" descr="关闭">
+            <a:extLst>
+              <a:ext uri="{FF2B5EF4-FFF2-40B4-BE49-F238E27FC236}">
+                <a16:creationId xmlns:a16="http://schemas.microsoft.com/office/drawing/2014/main" id="{797B83DE-CC90-AD41-95E7-84E59F57D22F}"/>
+              </a:ext>
+            </a:extLst>
+          </p:cNvPr>
+          <p:cNvPicPr>
+            <a:picLocks noChangeAspect="1"/>
+          </p:cNvPicPr>
+          <p:nvPr/>
+        </p:nvPicPr>
+        <p:blipFill>
+          <a:blip r:embed="rId6">
+            <a:extLst>
+              <a:ext uri="{96DAC541-7B7A-43D3-8B79-37D633B846F1}">
+                <asvg:svgBlip xmlns:asvg="http://schemas.microsoft.com/office/drawing/2016/SVG/main" r:embed="rId7"/>
+              </a:ext>
+            </a:extLst>
+          </a:blip>
+          <a:stretch>
+            <a:fillRect/>
+          </a:stretch>
+        </p:blipFill>
+        <p:spPr>
+          <a:xfrm>
+            <a:off x="7427976" y="5648923"/>
+            <a:ext cx="914400" cy="914400"/>
+          </a:xfrm>
+          <a:prstGeom prst="rect">
+            <a:avLst/>
+          </a:prstGeom>
+        </p:spPr>
+      </p:pic>
+      <p:pic>
+        <p:nvPicPr>
+          <p:cNvPr id="13" name="图形 12" descr="关闭">
+            <a:extLst>
+              <a:ext uri="{FF2B5EF4-FFF2-40B4-BE49-F238E27FC236}">
+                <a16:creationId xmlns:a16="http://schemas.microsoft.com/office/drawing/2014/main" id="{DC099F1C-01BD-FA4B-9006-8064EB471D01}"/>
+              </a:ext>
+            </a:extLst>
+          </p:cNvPr>
+          <p:cNvPicPr>
+            <a:picLocks noChangeAspect="1"/>
+          </p:cNvPicPr>
+          <p:nvPr/>
+        </p:nvPicPr>
+        <p:blipFill>
+          <a:blip r:embed="rId6">
+            <a:extLst>
+              <a:ext uri="{96DAC541-7B7A-43D3-8B79-37D633B846F1}">
+                <asvg:svgBlip xmlns:asvg="http://schemas.microsoft.com/office/drawing/2016/SVG/main" r:embed="rId7"/>
+              </a:ext>
+            </a:extLst>
+          </a:blip>
+          <a:stretch>
+            <a:fillRect/>
+          </a:stretch>
+        </p:blipFill>
+        <p:spPr>
+          <a:xfrm>
+            <a:off x="10151503" y="5648923"/>
+            <a:ext cx="914400" cy="914400"/>
+          </a:xfrm>
+          <a:prstGeom prst="rect">
+            <a:avLst/>
+          </a:prstGeom>
+        </p:spPr>
+      </p:pic>
     </p:spTree>
     <p:extLst>
       <p:ext uri="{BB962C8B-B14F-4D97-AF65-F5344CB8AC3E}">
-        <p14:creationId xmlns:p14="http://schemas.microsoft.com/office/powerpoint/2010/main" val="1981531383"/>
+        <p14:creationId xmlns:p14="http://schemas.microsoft.com/office/powerpoint/2010/main" val="2394595733"/>
       </p:ext>
     </p:extLst>
   </p:cSld>
   <p:clrMapOvr>
     <a:masterClrMapping/>
   </p:clrMapOvr>
+  <p:timing>
+    <p:tnLst>
+      <p:par>
+        <p:cTn id="1" dur="indefinite" restart="never" nodeType="tmRoot">
+          <p:childTnLst>
+            <p:seq concurrent="1" nextAc="seek">
+              <p:cTn id="2" dur="indefinite" nodeType="mainSeq">
+                <p:childTnLst>
+                  <p:par>
+                    <p:cTn id="3" fill="hold">
+                      <p:stCondLst>
+                        <p:cond delay="indefinite"/>
+                      </p:stCondLst>
+                      <p:childTnLst>
+                        <p:par>
+                          <p:cTn id="4" fill="hold">
+                            <p:stCondLst>
+                              <p:cond delay="0"/>
+                            </p:stCondLst>
+                            <p:childTnLst>
+                              <p:par>
+                                <p:cTn id="5" presetID="1" presetClass="entr" presetSubtype="0" fill="hold" nodeType="clickEffect">
+                                  <p:stCondLst>
+                                    <p:cond delay="0"/>
+                                  </p:stCondLst>
+                                  <p:childTnLst>
+                                    <p:set>
+                                      <p:cBhvr>
+                                        <p:cTn id="6" dur="1" fill="hold">
+                                          <p:stCondLst>
+                                            <p:cond delay="0"/>
+                                          </p:stCondLst>
+                                        </p:cTn>
+                                        <p:tgtEl>
+                                          <p:spTgt spid="9"/>
+                                        </p:tgtEl>
+                                        <p:attrNameLst>
+                                          <p:attrName>style.visibility</p:attrName>
+                                        </p:attrNameLst>
+                                      </p:cBhvr>
+                                      <p:to>
+                                        <p:strVal val="visible"/>
+                                      </p:to>
+                                    </p:set>
+                                  </p:childTnLst>
+                                </p:cTn>
+                              </p:par>
+                            </p:childTnLst>
+                          </p:cTn>
+                        </p:par>
+                      </p:childTnLst>
+                    </p:cTn>
+                  </p:par>
+                  <p:par>
+                    <p:cTn id="7" fill="hold">
+                      <p:stCondLst>
+                        <p:cond delay="indefinite"/>
+                      </p:stCondLst>
+                      <p:childTnLst>
+                        <p:par>
+                          <p:cTn id="8" fill="hold">
+                            <p:stCondLst>
+                              <p:cond delay="0"/>
+                            </p:stCondLst>
+                            <p:childTnLst>
+                              <p:par>
+                                <p:cTn id="9" presetID="1" presetClass="entr" presetSubtype="0" fill="hold" nodeType="clickEffect">
+                                  <p:stCondLst>
+                                    <p:cond delay="0"/>
+                                  </p:stCondLst>
+                                  <p:childTnLst>
+                                    <p:set>
+                                      <p:cBhvr>
+                                        <p:cTn id="10" dur="1" fill="hold">
+                                          <p:stCondLst>
+                                            <p:cond delay="0"/>
+                                          </p:stCondLst>
+                                        </p:cTn>
+                                        <p:tgtEl>
+                                          <p:spTgt spid="11"/>
+                                        </p:tgtEl>
+                                        <p:attrNameLst>
+                                          <p:attrName>style.visibility</p:attrName>
+                                        </p:attrNameLst>
+                                      </p:cBhvr>
+                                      <p:to>
+                                        <p:strVal val="visible"/>
+                                      </p:to>
+                                    </p:set>
+                                  </p:childTnLst>
+                                </p:cTn>
+                              </p:par>
+                            </p:childTnLst>
+                          </p:cTn>
+                        </p:par>
+                      </p:childTnLst>
+                    </p:cTn>
+                  </p:par>
+                  <p:par>
+                    <p:cTn id="11" fill="hold">
+                      <p:stCondLst>
+                        <p:cond delay="indefinite"/>
+                      </p:stCondLst>
+                      <p:childTnLst>
+                        <p:par>
+                          <p:cTn id="12" fill="hold">
+                            <p:stCondLst>
+                              <p:cond delay="0"/>
+                            </p:stCondLst>
+                            <p:childTnLst>
+                              <p:par>
+                                <p:cTn id="13" presetID="1" presetClass="entr" presetSubtype="0" fill="hold" nodeType="clickEffect">
+                                  <p:stCondLst>
+                                    <p:cond delay="0"/>
+                                  </p:stCondLst>
+                                  <p:childTnLst>
+                                    <p:set>
+                                      <p:cBhvr>
+                                        <p:cTn id="14" dur="1" fill="hold">
+                                          <p:stCondLst>
+                                            <p:cond delay="0"/>
+                                          </p:stCondLst>
+                                        </p:cTn>
+                                        <p:tgtEl>
+                                          <p:spTgt spid="12"/>
+                                        </p:tgtEl>
+                                        <p:attrNameLst>
+                                          <p:attrName>style.visibility</p:attrName>
+                                        </p:attrNameLst>
+                                      </p:cBhvr>
+                                      <p:to>
+                                        <p:strVal val="visible"/>
+                                      </p:to>
+                                    </p:set>
+                                  </p:childTnLst>
+                                </p:cTn>
+                              </p:par>
+                            </p:childTnLst>
+                          </p:cTn>
+                        </p:par>
+                      </p:childTnLst>
+                    </p:cTn>
+                  </p:par>
+                  <p:par>
+                    <p:cTn id="15" fill="hold">
+                      <p:stCondLst>
+                        <p:cond delay="indefinite"/>
+                      </p:stCondLst>
+                      <p:childTnLst>
+                        <p:par>
+                          <p:cTn id="16" fill="hold">
+                            <p:stCondLst>
+                              <p:cond delay="0"/>
+                            </p:stCondLst>
+                            <p:childTnLst>
+                              <p:par>
+                                <p:cTn id="17" presetID="1" presetClass="entr" presetSubtype="0" fill="hold" nodeType="clickEffect">
+                                  <p:stCondLst>
+                                    <p:cond delay="0"/>
+                                  </p:stCondLst>
+                                  <p:childTnLst>
+                                    <p:set>
+                                      <p:cBhvr>
+                                        <p:cTn id="18" dur="1" fill="hold">
+                                          <p:stCondLst>
+                                            <p:cond delay="0"/>
+                                          </p:stCondLst>
+                                        </p:cTn>
+                                        <p:tgtEl>
+                                          <p:spTgt spid="13"/>
+                                        </p:tgtEl>
+                                        <p:attrNameLst>
+                                          <p:attrName>style.visibility</p:attrName>
+                                        </p:attrNameLst>
+                                      </p:cBhvr>
+                                      <p:to>
+                                        <p:strVal val="visible"/>
+                                      </p:to>
+                                    </p:set>
+                                  </p:childTnLst>
+                                </p:cTn>
+                              </p:par>
+                            </p:childTnLst>
+                          </p:cTn>
+                        </p:par>
+                      </p:childTnLst>
+                    </p:cTn>
+                  </p:par>
+                </p:childTnLst>
+              </p:cTn>
+              <p:prevCondLst>
+                <p:cond evt="onPrev" delay="0">
+                  <p:tgtEl>
+                    <p:sldTgt/>
+                  </p:tgtEl>
+                </p:cond>
+              </p:prevCondLst>
+              <p:nextCondLst>
+                <p:cond evt="onNext" delay="0">
+                  <p:tgtEl>
+                    <p:sldTgt/>
+                  </p:tgtEl>
+                </p:cond>
+              </p:nextCondLst>
+            </p:seq>
+          </p:childTnLst>
+        </p:cTn>
+      </p:par>
+    </p:tnLst>
+  </p:timing>
 </p:sld>
 </file>
 
@@ -5259,7 +6830,7 @@
         </p:nvSpPr>
         <p:spPr>
           <a:xfrm>
-            <a:off x="2054352" y="718220"/>
+            <a:off x="2054352" y="655874"/>
             <a:ext cx="8083296" cy="830997"/>
           </a:xfrm>
           <a:prstGeom prst="rect">
@@ -5275,43 +6846,88 @@
           <a:p>
             <a:pPr algn="ctr"/>
             <a:r>
+              <a:rPr kumimoji="1" lang="zh-CN" altLang="en-US" sz="4800" dirty="0">
+                <a:latin typeface="Microsoft YaHei" panose="020B0503020204020204" pitchFamily="34" charset="-122"/>
+                <a:ea typeface="Microsoft YaHei" panose="020B0503020204020204" pitchFamily="34" charset="-122"/>
+              </a:rPr>
+              <a:t>树的概念</a:t>
+            </a:r>
+            <a:r>
               <a:rPr kumimoji="1" lang="en-US" altLang="zh-CN" sz="4800" dirty="0">
                 <a:latin typeface="Microsoft YaHei" panose="020B0503020204020204" pitchFamily="34" charset="-122"/>
                 <a:ea typeface="Microsoft YaHei" panose="020B0503020204020204" pitchFamily="34" charset="-122"/>
               </a:rPr>
-              <a:t>5.KMP</a:t>
+              <a:t>---</a:t>
             </a:r>
             <a:r>
               <a:rPr kumimoji="1" lang="zh-CN" altLang="en-US" sz="4800" dirty="0">
                 <a:latin typeface="Microsoft YaHei" panose="020B0503020204020204" pitchFamily="34" charset="-122"/>
                 <a:ea typeface="Microsoft YaHei" panose="020B0503020204020204" pitchFamily="34" charset="-122"/>
               </a:rPr>
-              <a:t>模式匹配算法</a:t>
-            </a:r>
-          </a:p>
-        </p:txBody>
-      </p:sp>
-      <p:sp>
-        <p:nvSpPr>
-          <p:cNvPr id="2" name="文本框 1">
-            <a:extLst>
-              <a:ext uri="{FF2B5EF4-FFF2-40B4-BE49-F238E27FC236}">
-                <a16:creationId xmlns:a16="http://schemas.microsoft.com/office/drawing/2014/main" id="{2348A353-F74A-F749-85B3-0743B6EAB0EF}"/>
-              </a:ext>
-            </a:extLst>
-          </p:cNvPr>
-          <p:cNvSpPr txBox="1"/>
+              <a:t>结点分类</a:t>
+            </a:r>
+          </a:p>
+        </p:txBody>
+      </p:sp>
+      <p:pic>
+        <p:nvPicPr>
+          <p:cNvPr id="4" name="Content Placeholder 3">
+            <a:extLst>
+              <a:ext uri="{FF2B5EF4-FFF2-40B4-BE49-F238E27FC236}">
+                <a16:creationId xmlns:a16="http://schemas.microsoft.com/office/drawing/2014/main" id="{208D7984-08BF-DC47-9FFF-09ECF2831D36}"/>
+              </a:ext>
+            </a:extLst>
+          </p:cNvPr>
+          <p:cNvPicPr>
+            <a:picLocks noChangeAspect="1"/>
+          </p:cNvPicPr>
           <p:nvPr/>
-        </p:nvSpPr>
+        </p:nvPicPr>
+        <p:blipFill>
+          <a:blip r:embed="rId3">
+            <a:extLst>
+              <a:ext uri="{28A0092B-C50C-407E-A947-70E740481C1C}">
+                <a14:useLocalDpi xmlns:a14="http://schemas.microsoft.com/office/drawing/2010/main" val="0"/>
+              </a:ext>
+            </a:extLst>
+          </a:blip>
+          <a:stretch>
+            <a:fillRect/>
+          </a:stretch>
+        </p:blipFill>
         <p:spPr>
           <a:xfrm>
-            <a:off x="2466753" y="2445488"/>
-            <a:ext cx="6039294" cy="523220"/>
+            <a:off x="558061" y="1786367"/>
+            <a:ext cx="8083295" cy="4574801"/>
           </a:xfrm>
           <a:prstGeom prst="rect">
             <a:avLst/>
           </a:prstGeom>
-          <a:noFill/>
+        </p:spPr>
+      </p:pic>
+      <p:sp>
+        <p:nvSpPr>
+          <p:cNvPr id="2" name="文本框 1">
+            <a:extLst>
+              <a:ext uri="{FF2B5EF4-FFF2-40B4-BE49-F238E27FC236}">
+                <a16:creationId xmlns:a16="http://schemas.microsoft.com/office/drawing/2014/main" id="{A042C3B8-1900-C04A-8C47-78A9A78F9067}"/>
+              </a:ext>
+            </a:extLst>
+          </p:cNvPr>
+          <p:cNvSpPr txBox="1"/>
+          <p:nvPr/>
+        </p:nvSpPr>
+        <p:spPr>
+          <a:xfrm>
+            <a:off x="9040091" y="2493818"/>
+            <a:ext cx="2639291" cy="830997"/>
+          </a:xfrm>
+          <a:prstGeom prst="rect">
+            <a:avLst/>
+          </a:prstGeom>
+          <a:solidFill>
+            <a:schemeClr val="accent2"/>
+          </a:solidFill>
         </p:spPr>
         <p:txBody>
           <a:bodyPr wrap="square" rtlCol="0">
@@ -5320,8 +6936,12 @@
           <a:lstStyle/>
           <a:p>
             <a:r>
-              <a:rPr kumimoji="1" lang="zh-CN" altLang="en-US" sz="2800" dirty="0"/>
-              <a:t>基于单链表的基础，增加循环的功能</a:t>
+              <a:rPr kumimoji="1" lang="zh-CN" altLang="en-US" sz="2400" dirty="0">
+                <a:solidFill>
+                  <a:schemeClr val="bg1"/>
+                </a:solidFill>
+              </a:rPr>
+              <a:t>度：此节点拥有子树的数量。</a:t>
             </a:r>
           </a:p>
         </p:txBody>
@@ -5329,7 +6949,7 @@
     </p:spTree>
     <p:extLst>
       <p:ext uri="{BB962C8B-B14F-4D97-AF65-F5344CB8AC3E}">
-        <p14:creationId xmlns:p14="http://schemas.microsoft.com/office/powerpoint/2010/main" val="1742615019"/>
+        <p14:creationId xmlns:p14="http://schemas.microsoft.com/office/powerpoint/2010/main" val="3267149737"/>
       </p:ext>
     </p:extLst>
   </p:cSld>
@@ -5345,7 +6965,7 @@
     <p:bg>
       <p:bgPr>
         <a:blipFill>
-          <a:blip r:embed="rId3"/>
+          <a:blip r:embed="rId2"/>
           <a:tile tx="0" ty="0" sx="100000" sy="100000" flip="none" algn="tl"/>
         </a:blipFill>
         <a:effectLst/>
@@ -5367,10 +6987,10 @@
       </p:grpSpPr>
       <p:sp>
         <p:nvSpPr>
-          <p:cNvPr id="2" name="文本框 1">
-            <a:extLst>
-              <a:ext uri="{FF2B5EF4-FFF2-40B4-BE49-F238E27FC236}">
-                <a16:creationId xmlns:a16="http://schemas.microsoft.com/office/drawing/2014/main" id="{12AA8BCC-7B15-4842-80C2-48C079429338}"/>
+          <p:cNvPr id="3" name="文本框 2">
+            <a:extLst>
+              <a:ext uri="{FF2B5EF4-FFF2-40B4-BE49-F238E27FC236}">
+                <a16:creationId xmlns:a16="http://schemas.microsoft.com/office/drawing/2014/main" id="{62BFC649-BF8E-2841-8EAF-47AFBF9D6671}"/>
               </a:ext>
             </a:extLst>
           </p:cNvPr>
@@ -5379,8 +6999,8 @@
         </p:nvSpPr>
         <p:spPr>
           <a:xfrm>
-            <a:off x="2228088" y="2921168"/>
-            <a:ext cx="7735824" cy="1015663"/>
+            <a:off x="2054352" y="655874"/>
+            <a:ext cx="8083296" cy="830997"/>
           </a:xfrm>
           <a:prstGeom prst="rect">
             <a:avLst/>
@@ -5395,19 +7015,161 @@
           <a:p>
             <a:pPr algn="ctr"/>
             <a:r>
-              <a:rPr kumimoji="1" lang="zh-CN" altLang="en-US" sz="6000" dirty="0">
+              <a:rPr kumimoji="1" lang="zh-CN" altLang="en-US" sz="4800" dirty="0">
                 <a:latin typeface="Microsoft YaHei" panose="020B0503020204020204" pitchFamily="34" charset="-122"/>
                 <a:ea typeface="Microsoft YaHei" panose="020B0503020204020204" pitchFamily="34" charset="-122"/>
               </a:rPr>
-              <a:t>这堂课我们学了撒？</a:t>
-            </a:r>
-          </a:p>
-        </p:txBody>
-      </p:sp>
+              <a:t>树的概念</a:t>
+            </a:r>
+            <a:r>
+              <a:rPr kumimoji="1" lang="en-US" altLang="zh-CN" sz="4800" dirty="0">
+                <a:latin typeface="Microsoft YaHei" panose="020B0503020204020204" pitchFamily="34" charset="-122"/>
+                <a:ea typeface="Microsoft YaHei" panose="020B0503020204020204" pitchFamily="34" charset="-122"/>
+              </a:rPr>
+              <a:t>---</a:t>
+            </a:r>
+            <a:r>
+              <a:rPr kumimoji="1" lang="zh-CN" altLang="en-US" sz="4800" dirty="0">
+                <a:latin typeface="Microsoft YaHei" panose="020B0503020204020204" pitchFamily="34" charset="-122"/>
+                <a:ea typeface="Microsoft YaHei" panose="020B0503020204020204" pitchFamily="34" charset="-122"/>
+              </a:rPr>
+              <a:t>结点间关系</a:t>
+            </a:r>
+          </a:p>
+        </p:txBody>
+      </p:sp>
+      <p:sp>
+        <p:nvSpPr>
+          <p:cNvPr id="2" name="文本框 1">
+            <a:extLst>
+              <a:ext uri="{FF2B5EF4-FFF2-40B4-BE49-F238E27FC236}">
+                <a16:creationId xmlns:a16="http://schemas.microsoft.com/office/drawing/2014/main" id="{A042C3B8-1900-C04A-8C47-78A9A78F9067}"/>
+              </a:ext>
+            </a:extLst>
+          </p:cNvPr>
+          <p:cNvSpPr txBox="1"/>
+          <p:nvPr/>
+        </p:nvSpPr>
+        <p:spPr>
+          <a:xfrm>
+            <a:off x="8818002" y="3307410"/>
+            <a:ext cx="2639291" cy="1569660"/>
+          </a:xfrm>
+          <a:prstGeom prst="rect">
+            <a:avLst/>
+          </a:prstGeom>
+          <a:solidFill>
+            <a:schemeClr val="accent2"/>
+          </a:solidFill>
+        </p:spPr>
+        <p:txBody>
+          <a:bodyPr wrap="square" rtlCol="0">
+            <a:spAutoFit/>
+          </a:bodyPr>
+          <a:lstStyle/>
+          <a:p>
+            <a:r>
+              <a:rPr kumimoji="1" lang="zh-CN" altLang="en-US" sz="2400" dirty="0">
+                <a:solidFill>
+                  <a:schemeClr val="bg1"/>
+                </a:solidFill>
+              </a:rPr>
+              <a:t>三种结点：</a:t>
+            </a:r>
+            <a:endParaRPr kumimoji="1" lang="en-US" altLang="zh-CN" sz="2400" dirty="0">
+              <a:solidFill>
+                <a:schemeClr val="bg1"/>
+              </a:solidFill>
+            </a:endParaRPr>
+          </a:p>
+          <a:p>
+            <a:pPr marL="457200" indent="-457200">
+              <a:buFont typeface="+mj-lt"/>
+              <a:buAutoNum type="arabicPeriod"/>
+            </a:pPr>
+            <a:r>
+              <a:rPr kumimoji="1" lang="zh-CN" altLang="en-US" sz="2400" dirty="0">
+                <a:solidFill>
+                  <a:schemeClr val="bg1"/>
+                </a:solidFill>
+              </a:rPr>
+              <a:t>父结点</a:t>
+            </a:r>
+            <a:endParaRPr kumimoji="1" lang="en-US" altLang="zh-CN" sz="2400" dirty="0">
+              <a:solidFill>
+                <a:schemeClr val="bg1"/>
+              </a:solidFill>
+            </a:endParaRPr>
+          </a:p>
+          <a:p>
+            <a:pPr marL="457200" indent="-457200">
+              <a:buFont typeface="+mj-lt"/>
+              <a:buAutoNum type="arabicPeriod"/>
+            </a:pPr>
+            <a:r>
+              <a:rPr kumimoji="1" lang="zh-CN" altLang="en-US" sz="2400" dirty="0">
+                <a:solidFill>
+                  <a:schemeClr val="bg1"/>
+                </a:solidFill>
+              </a:rPr>
+              <a:t>子结点</a:t>
+            </a:r>
+            <a:endParaRPr kumimoji="1" lang="en-US" altLang="zh-CN" sz="2400" dirty="0">
+              <a:solidFill>
+                <a:schemeClr val="bg1"/>
+              </a:solidFill>
+            </a:endParaRPr>
+          </a:p>
+          <a:p>
+            <a:pPr marL="457200" indent="-457200">
+              <a:buFont typeface="+mj-lt"/>
+              <a:buAutoNum type="arabicPeriod"/>
+            </a:pPr>
+            <a:r>
+              <a:rPr kumimoji="1" lang="zh-CN" altLang="en-US" sz="2400" dirty="0">
+                <a:solidFill>
+                  <a:schemeClr val="bg1"/>
+                </a:solidFill>
+              </a:rPr>
+              <a:t>兄弟结点</a:t>
+            </a:r>
+          </a:p>
+        </p:txBody>
+      </p:sp>
+      <p:pic>
+        <p:nvPicPr>
+          <p:cNvPr id="5" name="图片 4">
+            <a:extLst>
+              <a:ext uri="{FF2B5EF4-FFF2-40B4-BE49-F238E27FC236}">
+                <a16:creationId xmlns:a16="http://schemas.microsoft.com/office/drawing/2014/main" id="{7745B7B4-1827-1B41-9497-D260D5905238}"/>
+              </a:ext>
+            </a:extLst>
+          </p:cNvPr>
+          <p:cNvPicPr>
+            <a:picLocks noChangeAspect="1"/>
+          </p:cNvPicPr>
+          <p:nvPr/>
+        </p:nvPicPr>
+        <p:blipFill>
+          <a:blip r:embed="rId3"/>
+          <a:stretch>
+            <a:fillRect/>
+          </a:stretch>
+        </p:blipFill>
+        <p:spPr>
+          <a:xfrm>
+            <a:off x="2054352" y="2127827"/>
+            <a:ext cx="5958000" cy="3928826"/>
+          </a:xfrm>
+          <a:prstGeom prst="rect">
+            <a:avLst/>
+          </a:prstGeom>
+        </p:spPr>
+      </p:pic>
     </p:spTree>
     <p:extLst>
       <p:ext uri="{BB962C8B-B14F-4D97-AF65-F5344CB8AC3E}">
-        <p14:creationId xmlns:p14="http://schemas.microsoft.com/office/powerpoint/2010/main" val="3338372476"/>
+        <p14:creationId xmlns:p14="http://schemas.microsoft.com/office/powerpoint/2010/main" val="3477193268"/>
       </p:ext>
     </p:extLst>
   </p:cSld>
@@ -5423,7 +7185,7 @@
     <p:bg>
       <p:bgPr>
         <a:blipFill>
-          <a:blip r:embed="rId3"/>
+          <a:blip r:embed="rId2"/>
           <a:tile tx="0" ty="0" sx="100000" sy="100000" flip="none" algn="tl"/>
         </a:blipFill>
         <a:effectLst/>
@@ -5457,8 +7219,8 @@
         </p:nvSpPr>
         <p:spPr>
           <a:xfrm>
-            <a:off x="914400" y="581161"/>
-            <a:ext cx="10363200" cy="830997"/>
+            <a:off x="2054352" y="655874"/>
+            <a:ext cx="8083296" cy="830997"/>
           </a:xfrm>
           <a:prstGeom prst="rect">
             <a:avLst/>
@@ -5477,21 +7239,31 @@
                 <a:latin typeface="Microsoft YaHei" panose="020B0503020204020204" pitchFamily="34" charset="-122"/>
                 <a:ea typeface="Microsoft YaHei" panose="020B0503020204020204" pitchFamily="34" charset="-122"/>
               </a:rPr>
-              <a:t>总结</a:t>
-            </a:r>
-            <a:endParaRPr kumimoji="1" lang="en-US" altLang="zh-CN" sz="4800" dirty="0">
-              <a:latin typeface="Microsoft YaHei" panose="020B0503020204020204" pitchFamily="34" charset="-122"/>
-              <a:ea typeface="Microsoft YaHei" panose="020B0503020204020204" pitchFamily="34" charset="-122"/>
-            </a:endParaRPr>
-          </a:p>
-        </p:txBody>
-      </p:sp>
-      <p:sp>
-        <p:nvSpPr>
-          <p:cNvPr id="5" name="文本框 4">
-            <a:extLst>
-              <a:ext uri="{FF2B5EF4-FFF2-40B4-BE49-F238E27FC236}">
-                <a16:creationId xmlns:a16="http://schemas.microsoft.com/office/drawing/2014/main" id="{70A8FD9E-655D-F742-ACDB-18BF84BE05B3}"/>
+              <a:t>树的其他概念</a:t>
+            </a:r>
+            <a:r>
+              <a:rPr kumimoji="1" lang="en-US" altLang="zh-CN" sz="4800" dirty="0">
+                <a:latin typeface="Microsoft YaHei" panose="020B0503020204020204" pitchFamily="34" charset="-122"/>
+                <a:ea typeface="Microsoft YaHei" panose="020B0503020204020204" pitchFamily="34" charset="-122"/>
+              </a:rPr>
+              <a:t>---</a:t>
+            </a:r>
+            <a:r>
+              <a:rPr kumimoji="1" lang="zh-CN" altLang="en-US" sz="4800" dirty="0">
+                <a:latin typeface="Microsoft YaHei" panose="020B0503020204020204" pitchFamily="34" charset="-122"/>
+                <a:ea typeface="Microsoft YaHei" panose="020B0503020204020204" pitchFamily="34" charset="-122"/>
+              </a:rPr>
+              <a:t>深度</a:t>
+            </a:r>
+          </a:p>
+        </p:txBody>
+      </p:sp>
+      <p:sp>
+        <p:nvSpPr>
+          <p:cNvPr id="2" name="文本框 1">
+            <a:extLst>
+              <a:ext uri="{FF2B5EF4-FFF2-40B4-BE49-F238E27FC236}">
+                <a16:creationId xmlns:a16="http://schemas.microsoft.com/office/drawing/2014/main" id="{A042C3B8-1900-C04A-8C47-78A9A78F9067}"/>
               </a:ext>
             </a:extLst>
           </p:cNvPr>
@@ -5500,13 +7272,15 @@
         </p:nvSpPr>
         <p:spPr>
           <a:xfrm>
-            <a:off x="765810" y="2785730"/>
-            <a:ext cx="9037409" cy="523220"/>
+            <a:off x="8818002" y="3307410"/>
+            <a:ext cx="2639291" cy="1200329"/>
           </a:xfrm>
           <a:prstGeom prst="rect">
             <a:avLst/>
           </a:prstGeom>
-          <a:noFill/>
+          <a:solidFill>
+            <a:schemeClr val="accent2"/>
+          </a:solidFill>
         </p:spPr>
         <p:txBody>
           <a:bodyPr wrap="square" rtlCol="0">
@@ -5515,30 +7289,81 @@
           <a:lstStyle/>
           <a:p>
             <a:r>
-              <a:rPr kumimoji="1" lang="zh-CN" altLang="en-US" sz="2800" dirty="0">
-                <a:latin typeface="Microsoft YaHei" panose="020B0503020204020204" pitchFamily="34" charset="-122"/>
-                <a:ea typeface="Microsoft YaHei" panose="020B0503020204020204" pitchFamily="34" charset="-122"/>
-              </a:rPr>
-              <a:t>重点： 两种存储方式 以及它们对应的</a:t>
-            </a:r>
-            <a:r>
-              <a:rPr kumimoji="1" lang="en-US" altLang="zh-CN" sz="2800" dirty="0">
-                <a:latin typeface="Microsoft YaHei" panose="020B0503020204020204" pitchFamily="34" charset="-122"/>
-                <a:ea typeface="Microsoft YaHei" panose="020B0503020204020204" pitchFamily="34" charset="-122"/>
-              </a:rPr>
-              <a:t>crud</a:t>
-            </a:r>
-            <a:endParaRPr kumimoji="1" lang="zh-CN" altLang="en-US" sz="2800" dirty="0">
-              <a:latin typeface="Microsoft YaHei" panose="020B0503020204020204" pitchFamily="34" charset="-122"/>
-              <a:ea typeface="Microsoft YaHei" panose="020B0503020204020204" pitchFamily="34" charset="-122"/>
+              <a:rPr kumimoji="1" lang="zh-CN" altLang="en-US" sz="2400" dirty="0">
+                <a:solidFill>
+                  <a:schemeClr val="bg1"/>
+                </a:solidFill>
+              </a:rPr>
+              <a:t>深度：</a:t>
+            </a:r>
+            <a:endParaRPr kumimoji="1" lang="en-US" altLang="zh-CN" sz="2400" dirty="0">
+              <a:solidFill>
+                <a:schemeClr val="bg1"/>
+              </a:solidFill>
             </a:endParaRPr>
           </a:p>
-        </p:txBody>
-      </p:sp>
+          <a:p>
+            <a:r>
+              <a:rPr kumimoji="1" lang="zh-CN" altLang="en-US" sz="2400" dirty="0">
+                <a:solidFill>
+                  <a:schemeClr val="bg1"/>
+                </a:solidFill>
+              </a:rPr>
+              <a:t>从根结点为第</a:t>
+            </a:r>
+            <a:r>
+              <a:rPr kumimoji="1" lang="en-US" altLang="zh-CN" sz="2400" dirty="0">
+                <a:solidFill>
+                  <a:schemeClr val="bg1"/>
+                </a:solidFill>
+              </a:rPr>
+              <a:t>1</a:t>
+            </a:r>
+            <a:r>
+              <a:rPr kumimoji="1" lang="zh-CN" altLang="en-US" sz="2400" dirty="0">
+                <a:solidFill>
+                  <a:schemeClr val="bg1"/>
+                </a:solidFill>
+              </a:rPr>
+              <a:t>层，依次往下。</a:t>
+            </a:r>
+          </a:p>
+        </p:txBody>
+      </p:sp>
+      <p:pic>
+        <p:nvPicPr>
+          <p:cNvPr id="6" name="图片 5">
+            <a:extLst>
+              <a:ext uri="{FF2B5EF4-FFF2-40B4-BE49-F238E27FC236}">
+                <a16:creationId xmlns:a16="http://schemas.microsoft.com/office/drawing/2014/main" id="{E52D3226-356B-AA48-A05C-768776F78EA0}"/>
+              </a:ext>
+            </a:extLst>
+          </p:cNvPr>
+          <p:cNvPicPr>
+            <a:picLocks noChangeAspect="1"/>
+          </p:cNvPicPr>
+          <p:nvPr/>
+        </p:nvPicPr>
+        <p:blipFill>
+          <a:blip r:embed="rId3"/>
+          <a:stretch>
+            <a:fillRect/>
+          </a:stretch>
+        </p:blipFill>
+        <p:spPr>
+          <a:xfrm>
+            <a:off x="734707" y="1844875"/>
+            <a:ext cx="7245511" cy="4221297"/>
+          </a:xfrm>
+          <a:prstGeom prst="rect">
+            <a:avLst/>
+          </a:prstGeom>
+        </p:spPr>
+      </p:pic>
     </p:spTree>
     <p:extLst>
       <p:ext uri="{BB962C8B-B14F-4D97-AF65-F5344CB8AC3E}">
-        <p14:creationId xmlns:p14="http://schemas.microsoft.com/office/powerpoint/2010/main" val="4062917305"/>
+        <p14:creationId xmlns:p14="http://schemas.microsoft.com/office/powerpoint/2010/main" val="342190378"/>
       </p:ext>
     </p:extLst>
   </p:cSld>
